--- a/NEW_DBMS교안/13. 기본 SQL 작성하기_DQL 활용_1.pptx
+++ b/NEW_DBMS교안/13. 기본 SQL 작성하기_DQL 활용_1.pptx
@@ -227,7 +227,7 @@
           <a:p>
             <a:fld id="{E150CED1-0BD3-437E-982C-E8005E10CB37}" type="datetimeFigureOut">
               <a:rPr lang="ko-KR" altLang="en-US" smtClean="0"/>
-              <a:t>2021-03-31</a:t>
+              <a:t>2021-04-05</a:t>
             </a:fld>
             <a:endParaRPr lang="ko-KR" altLang="en-US"/>
           </a:p>
@@ -3411,9 +3411,41 @@
             </a:r>
             <a:r>
               <a:rPr lang="ko-KR" altLang="en-US" dirty="0"/>
-              <a:t> 함수</a:t>
-            </a:r>
-            <a:endParaRPr lang="en-US" altLang="ko-KR" dirty="0"/>
+              <a:t> </a:t>
+            </a:r>
+            <a:r>
+              <a:rPr lang="ko-KR" altLang="en-US" dirty="0" smtClean="0"/>
+              <a:t>함수 </a:t>
+            </a:r>
+            <a:r>
+              <a:rPr lang="en-US" altLang="ko-KR" dirty="0" smtClean="0">
+                <a:solidFill>
+                  <a:srgbClr val="FF0000"/>
+                </a:solidFill>
+              </a:rPr>
+              <a:t>(</a:t>
+            </a:r>
+            <a:r>
+              <a:rPr lang="ko-KR" altLang="en-US" dirty="0" err="1" smtClean="0">
+                <a:solidFill>
+                  <a:srgbClr val="FF0000"/>
+                </a:solidFill>
+              </a:rPr>
+              <a:t>제일많이씀</a:t>
+            </a:r>
+            <a:r>
+              <a:rPr lang="en-US" altLang="ko-KR" dirty="0" smtClean="0">
+                <a:solidFill>
+                  <a:srgbClr val="FF0000"/>
+                </a:solidFill>
+              </a:rPr>
+              <a:t>)</a:t>
+            </a:r>
+            <a:endParaRPr lang="en-US" altLang="ko-KR" dirty="0">
+              <a:solidFill>
+                <a:srgbClr val="FF0000"/>
+              </a:solidFill>
+            </a:endParaRPr>
           </a:p>
           <a:p>
             <a:pPr lvl="2">
@@ -3809,9 +3841,33 @@
           <a:p>
             <a:r>
               <a:rPr lang="en-US" altLang="ko-KR" b="1" dirty="0"/>
-              <a:t>ORDER BY</a:t>
-            </a:r>
-            <a:endParaRPr lang="ko-KR" altLang="en-US" b="1" dirty="0"/>
+              <a:t>ORDER </a:t>
+            </a:r>
+            <a:r>
+              <a:rPr lang="en-US" altLang="ko-KR" b="1" dirty="0" smtClean="0"/>
+              <a:t>BY </a:t>
+            </a:r>
+            <a:r>
+              <a:rPr lang="en-US" altLang="ko-KR" b="1" dirty="0" smtClean="0">
+                <a:solidFill>
+                  <a:srgbClr val="FF0000"/>
+                </a:solidFill>
+              </a:rPr>
+              <a:t>- </a:t>
+            </a:r>
+            <a:r>
+              <a:rPr lang="ko-KR" altLang="en-US" b="1" dirty="0" smtClean="0">
+                <a:solidFill>
+                  <a:srgbClr val="FF0000"/>
+                </a:solidFill>
+              </a:rPr>
+              <a:t>정렬</a:t>
+            </a:r>
+            <a:endParaRPr lang="ko-KR" altLang="en-US" b="1" dirty="0">
+              <a:solidFill>
+                <a:srgbClr val="FF0000"/>
+              </a:solidFill>
+            </a:endParaRPr>
           </a:p>
         </p:txBody>
       </p:sp>
@@ -4513,6 +4569,162 @@
           </a:p>
         </p:txBody>
       </p:sp>
+      <p:sp>
+        <p:nvSpPr>
+          <p:cNvPr id="2" name="TextBox 1"/>
+          <p:cNvSpPr txBox="1"/>
+          <p:nvPr/>
+        </p:nvSpPr>
+        <p:spPr>
+          <a:xfrm>
+            <a:off x="2627784" y="2714460"/>
+            <a:ext cx="1008112" cy="261610"/>
+          </a:xfrm>
+          <a:prstGeom prst="rect">
+            <a:avLst/>
+          </a:prstGeom>
+          <a:noFill/>
+        </p:spPr>
+        <p:txBody>
+          <a:bodyPr wrap="square" rtlCol="0">
+            <a:spAutoFit/>
+          </a:bodyPr>
+          <a:lstStyle/>
+          <a:p>
+            <a:pPr algn="ctr"/>
+            <a:r>
+              <a:rPr lang="ko-KR" altLang="en-US" sz="1100" b="1" dirty="0" smtClean="0">
+                <a:solidFill>
+                  <a:srgbClr val="FF0000"/>
+                </a:solidFill>
+              </a:rPr>
+              <a:t>가나다</a:t>
+            </a:r>
+            <a:r>
+              <a:rPr lang="en-US" altLang="ko-KR" sz="1100" b="1" dirty="0" smtClean="0">
+                <a:solidFill>
+                  <a:srgbClr val="FF0000"/>
+                </a:solidFill>
+              </a:rPr>
+              <a:t>, 123</a:t>
+            </a:r>
+            <a:endParaRPr lang="ko-KR" altLang="en-US" sz="1100" b="1" dirty="0">
+              <a:solidFill>
+                <a:srgbClr val="FF0000"/>
+              </a:solidFill>
+            </a:endParaRPr>
+          </a:p>
+        </p:txBody>
+      </p:sp>
+      <p:sp>
+        <p:nvSpPr>
+          <p:cNvPr id="10" name="TextBox 9"/>
+          <p:cNvSpPr txBox="1"/>
+          <p:nvPr/>
+        </p:nvSpPr>
+        <p:spPr>
+          <a:xfrm>
+            <a:off x="3878345" y="2714460"/>
+            <a:ext cx="1008112" cy="261610"/>
+          </a:xfrm>
+          <a:prstGeom prst="rect">
+            <a:avLst/>
+          </a:prstGeom>
+          <a:noFill/>
+        </p:spPr>
+        <p:txBody>
+          <a:bodyPr wrap="square" rtlCol="0">
+            <a:spAutoFit/>
+          </a:bodyPr>
+          <a:lstStyle/>
+          <a:p>
+            <a:pPr algn="ctr"/>
+            <a:r>
+              <a:rPr lang="ko-KR" altLang="en-US" sz="1100" b="1" dirty="0" err="1" smtClean="0">
+                <a:solidFill>
+                  <a:srgbClr val="FF0000"/>
+                </a:solidFill>
+              </a:rPr>
+              <a:t>다나가</a:t>
+            </a:r>
+            <a:r>
+              <a:rPr lang="en-US" altLang="ko-KR" sz="1100" b="1" dirty="0" smtClean="0">
+                <a:solidFill>
+                  <a:srgbClr val="FF0000"/>
+                </a:solidFill>
+              </a:rPr>
+              <a:t>, 321</a:t>
+            </a:r>
+            <a:endParaRPr lang="ko-KR" altLang="en-US" sz="1100" b="1" dirty="0">
+              <a:solidFill>
+                <a:srgbClr val="FF0000"/>
+              </a:solidFill>
+            </a:endParaRPr>
+          </a:p>
+        </p:txBody>
+      </p:sp>
+      <p:cxnSp>
+        <p:nvCxnSpPr>
+          <p:cNvPr id="4" name="직선 연결선 3"/>
+          <p:cNvCxnSpPr/>
+          <p:nvPr/>
+        </p:nvCxnSpPr>
+        <p:spPr>
+          <a:xfrm>
+            <a:off x="2915816" y="2708920"/>
+            <a:ext cx="720080" cy="0"/>
+          </a:xfrm>
+          <a:prstGeom prst="line">
+            <a:avLst/>
+          </a:prstGeom>
+          <a:ln w="38100"/>
+        </p:spPr>
+        <p:style>
+          <a:lnRef idx="1">
+            <a:schemeClr val="accent2"/>
+          </a:lnRef>
+          <a:fillRef idx="0">
+            <a:schemeClr val="accent2"/>
+          </a:fillRef>
+          <a:effectRef idx="0">
+            <a:schemeClr val="accent2"/>
+          </a:effectRef>
+          <a:fontRef idx="minor">
+            <a:schemeClr val="tx1"/>
+          </a:fontRef>
+        </p:style>
+      </p:cxnSp>
+      <p:cxnSp>
+        <p:nvCxnSpPr>
+          <p:cNvPr id="17" name="직선 연결선 16"/>
+          <p:cNvCxnSpPr/>
+          <p:nvPr/>
+        </p:nvCxnSpPr>
+        <p:spPr>
+          <a:xfrm>
+            <a:off x="3779057" y="2708920"/>
+            <a:ext cx="720080" cy="0"/>
+          </a:xfrm>
+          <a:prstGeom prst="line">
+            <a:avLst/>
+          </a:prstGeom>
+          <a:ln w="38100"/>
+        </p:spPr>
+        <p:style>
+          <a:lnRef idx="1">
+            <a:schemeClr val="accent2"/>
+          </a:lnRef>
+          <a:fillRef idx="0">
+            <a:schemeClr val="accent2"/>
+          </a:fillRef>
+          <a:effectRef idx="0">
+            <a:schemeClr val="accent2"/>
+          </a:effectRef>
+          <a:fontRef idx="minor">
+            <a:schemeClr val="tx1"/>
+          </a:fontRef>
+        </p:style>
+      </p:cxnSp>
     </p:spTree>
     <p:extLst>
       <p:ext uri="{BB962C8B-B14F-4D97-AF65-F5344CB8AC3E}">
@@ -4593,8 +4805,16 @@
               <a:buAutoNum type="arabicPeriod"/>
             </a:pPr>
             <a:r>
+              <a:rPr lang="ko-KR" altLang="en-US" dirty="0">
+                <a:solidFill>
+                  <a:srgbClr val="FF0000"/>
+                </a:solidFill>
+              </a:rPr>
+              <a:t>기본적인 오름차순 정렬</a:t>
+            </a:r>
+            <a:r>
               <a:rPr lang="ko-KR" altLang="en-US" dirty="0"/>
-              <a:t>기본적인 오름차순 정렬의 순서는 다음과 같다</a:t>
+              <a:t>의 순서는 다음과 같다</a:t>
             </a:r>
             <a:r>
               <a:rPr lang="en-US" altLang="ko-KR" dirty="0"/>
@@ -4688,17 +4908,49 @@
               <a:buAutoNum type="arabicPeriod"/>
             </a:pPr>
             <a:r>
-              <a:rPr lang="en-US" altLang="ko-KR" dirty="0"/>
+              <a:rPr lang="en-US" altLang="ko-KR" u="sng" dirty="0"/>
               <a:t> NULL</a:t>
             </a:r>
           </a:p>
           <a:p>
             <a:pPr lvl="3"/>
             <a:r>
-              <a:rPr lang="ko-KR" altLang="en-US" dirty="0"/>
-              <a:t>가장 나중에 출력</a:t>
-            </a:r>
-            <a:endParaRPr lang="en-US" altLang="ko-KR" dirty="0"/>
+              <a:rPr lang="ko-KR" altLang="en-US" u="sng" dirty="0"/>
+              <a:t>가장 나중에 </a:t>
+            </a:r>
+            <a:r>
+              <a:rPr lang="ko-KR" altLang="en-US" u="sng" dirty="0" smtClean="0"/>
+              <a:t>출력 </a:t>
+            </a:r>
+            <a:r>
+              <a:rPr lang="en-US" altLang="ko-KR" b="1" u="sng" dirty="0" smtClean="0">
+                <a:solidFill>
+                  <a:srgbClr val="FF0000"/>
+                </a:solidFill>
+              </a:rPr>
+              <a:t>(</a:t>
+            </a:r>
+            <a:r>
+              <a:rPr lang="ko-KR" altLang="en-US" b="1" u="sng" dirty="0" smtClean="0">
+                <a:solidFill>
+                  <a:srgbClr val="FF0000"/>
+                </a:solidFill>
+              </a:rPr>
+              <a:t>오름차순 내림차순 모두 마지막</a:t>
+            </a:r>
+            <a:r>
+              <a:rPr lang="en-US" altLang="ko-KR" b="1" u="sng" dirty="0" smtClean="0">
+                <a:solidFill>
+                  <a:srgbClr val="FF0000"/>
+                </a:solidFill>
+              </a:rPr>
+              <a:t>)</a:t>
+            </a:r>
+            <a:endParaRPr lang="en-US" altLang="ko-KR" b="1" u="sng" dirty="0">
+              <a:solidFill>
+                <a:srgbClr val="FF0000"/>
+              </a:solidFill>
+            </a:endParaRPr>
           </a:p>
           <a:p>
             <a:pPr>
@@ -5681,9 +5933,38 @@
               <a:t>SELECT </a:t>
             </a:r>
             <a:r>
-              <a:rPr lang="ko-KR" altLang="en-US" b="1" dirty="0"/>
+              <a:rPr lang="ko-KR" altLang="en-US" b="1" dirty="0" smtClean="0"/>
               <a:t>문</a:t>
             </a:r>
+            <a:r>
+              <a:rPr lang="en-US" altLang="ko-KR" sz="1800" b="1" dirty="0" smtClean="0"/>
+              <a:t>(</a:t>
+            </a:r>
+            <a:r>
+              <a:rPr lang="ko-KR" altLang="en-US" sz="1800" b="1" dirty="0" smtClean="0"/>
+              <a:t>넓게 보면 </a:t>
+            </a:r>
+            <a:r>
+              <a:rPr lang="en-US" altLang="ko-KR" sz="1800" b="1" dirty="0" smtClean="0"/>
+              <a:t>DML, </a:t>
+            </a:r>
+            <a:r>
+              <a:rPr lang="ko-KR" altLang="en-US" sz="1800" b="1" dirty="0" smtClean="0"/>
+              <a:t>실무적으로는 </a:t>
+            </a:r>
+            <a:r>
+              <a:rPr lang="en-US" altLang="ko-KR" sz="1800" b="1" dirty="0" smtClean="0"/>
+              <a:t>DQL-</a:t>
+            </a:r>
+            <a:r>
+              <a:rPr lang="en-US" altLang="ko-KR" sz="900" b="1" dirty="0" err="1" smtClean="0"/>
+              <a:t>Data_query_Language</a:t>
+            </a:r>
+            <a:r>
+              <a:rPr lang="en-US" altLang="ko-KR" sz="1800" b="1" dirty="0" smtClean="0"/>
+              <a:t>)</a:t>
+            </a:r>
+            <a:endParaRPr lang="ko-KR" altLang="en-US" sz="1800" b="1" dirty="0"/>
           </a:p>
         </p:txBody>
       </p:sp>
@@ -8157,7 +8438,7 @@
           <p:nvPr>
             <p:extLst>
               <p:ext uri="{D42A27DB-BD31-4B8C-83A1-F6EECF244321}">
-                <p14:modId xmlns:p14="http://schemas.microsoft.com/office/powerpoint/2010/main" val="2491461977"/>
+                <p14:modId xmlns:p14="http://schemas.microsoft.com/office/powerpoint/2010/main" val="1445323120"/>
               </p:ext>
             </p:extLst>
           </p:nvPr>
@@ -8201,7 +8482,44 @@
                       </a:r>
                     </a:p>
                   </a:txBody>
-                  <a:tcPr anchor="ctr"/>
+                  <a:tcPr anchor="ctr">
+                    <a:lnL w="12700" cap="flat" cmpd="sng" algn="ctr">
+                      <a:solidFill>
+                        <a:schemeClr val="tx1"/>
+                      </a:solidFill>
+                      <a:prstDash val="solid"/>
+                      <a:round/>
+                      <a:headEnd type="none" w="med" len="med"/>
+                      <a:tailEnd type="none" w="med" len="med"/>
+                    </a:lnL>
+                    <a:lnR w="12700" cap="flat" cmpd="sng" algn="ctr">
+                      <a:solidFill>
+                        <a:schemeClr val="tx1"/>
+                      </a:solidFill>
+                      <a:prstDash val="solid"/>
+                      <a:round/>
+                      <a:headEnd type="none" w="med" len="med"/>
+                      <a:tailEnd type="none" w="med" len="med"/>
+                    </a:lnR>
+                    <a:lnT w="12700" cap="flat" cmpd="sng" algn="ctr">
+                      <a:solidFill>
+                        <a:schemeClr val="tx1"/>
+                      </a:solidFill>
+                      <a:prstDash val="solid"/>
+                      <a:round/>
+                      <a:headEnd type="none" w="med" len="med"/>
+                      <a:tailEnd type="none" w="med" len="med"/>
+                    </a:lnT>
+                    <a:lnB w="12700" cap="flat" cmpd="sng" algn="ctr">
+                      <a:solidFill>
+                        <a:schemeClr val="tx1"/>
+                      </a:solidFill>
+                      <a:prstDash val="solid"/>
+                      <a:round/>
+                      <a:headEnd type="none" w="med" len="med"/>
+                      <a:tailEnd type="none" w="med" len="med"/>
+                    </a:lnB>
+                  </a:tcPr>
                 </a:tc>
                 <a:tc>
                   <a:txBody>
@@ -8215,7 +8533,44 @@
                       </a:r>
                     </a:p>
                   </a:txBody>
-                  <a:tcPr anchor="ctr"/>
+                  <a:tcPr anchor="ctr">
+                    <a:lnL w="12700" cap="flat" cmpd="sng" algn="ctr">
+                      <a:solidFill>
+                        <a:schemeClr val="tx1"/>
+                      </a:solidFill>
+                      <a:prstDash val="solid"/>
+                      <a:round/>
+                      <a:headEnd type="none" w="med" len="med"/>
+                      <a:tailEnd type="none" w="med" len="med"/>
+                    </a:lnL>
+                    <a:lnR w="12700" cap="flat" cmpd="sng" algn="ctr">
+                      <a:solidFill>
+                        <a:schemeClr val="tx1"/>
+                      </a:solidFill>
+                      <a:prstDash val="solid"/>
+                      <a:round/>
+                      <a:headEnd type="none" w="med" len="med"/>
+                      <a:tailEnd type="none" w="med" len="med"/>
+                    </a:lnR>
+                    <a:lnT w="12700" cap="flat" cmpd="sng" algn="ctr">
+                      <a:solidFill>
+                        <a:schemeClr val="tx1"/>
+                      </a:solidFill>
+                      <a:prstDash val="solid"/>
+                      <a:round/>
+                      <a:headEnd type="none" w="med" len="med"/>
+                      <a:tailEnd type="none" w="med" len="med"/>
+                    </a:lnT>
+                    <a:lnB w="12700" cap="flat" cmpd="sng" algn="ctr">
+                      <a:solidFill>
+                        <a:schemeClr val="tx1"/>
+                      </a:solidFill>
+                      <a:prstDash val="solid"/>
+                      <a:round/>
+                      <a:headEnd type="none" w="med" len="med"/>
+                      <a:tailEnd type="none" w="med" len="med"/>
+                    </a:lnB>
+                  </a:tcPr>
                 </a:tc>
                 <a:extLst>
                   <a:ext uri="{0D108BD9-81ED-4DB2-BD59-A6C34878D82A}">
@@ -8237,7 +8592,44 @@
                       <a:endParaRPr lang="ko-KR" altLang="en-US" dirty="0"/>
                     </a:p>
                   </a:txBody>
-                  <a:tcPr anchor="ctr"/>
+                  <a:tcPr anchor="ctr">
+                    <a:lnL w="12700" cap="flat" cmpd="sng" algn="ctr">
+                      <a:solidFill>
+                        <a:schemeClr val="tx1"/>
+                      </a:solidFill>
+                      <a:prstDash val="solid"/>
+                      <a:round/>
+                      <a:headEnd type="none" w="med" len="med"/>
+                      <a:tailEnd type="none" w="med" len="med"/>
+                    </a:lnL>
+                    <a:lnR w="12700" cap="flat" cmpd="sng" algn="ctr">
+                      <a:solidFill>
+                        <a:schemeClr val="tx1"/>
+                      </a:solidFill>
+                      <a:prstDash val="solid"/>
+                      <a:round/>
+                      <a:headEnd type="none" w="med" len="med"/>
+                      <a:tailEnd type="none" w="med" len="med"/>
+                    </a:lnR>
+                    <a:lnT w="12700" cap="flat" cmpd="sng" algn="ctr">
+                      <a:solidFill>
+                        <a:schemeClr val="tx1"/>
+                      </a:solidFill>
+                      <a:prstDash val="solid"/>
+                      <a:round/>
+                      <a:headEnd type="none" w="med" len="med"/>
+                      <a:tailEnd type="none" w="med" len="med"/>
+                    </a:lnT>
+                    <a:lnB w="12700" cap="flat" cmpd="sng" algn="ctr">
+                      <a:solidFill>
+                        <a:schemeClr val="tx1"/>
+                      </a:solidFill>
+                      <a:prstDash val="solid"/>
+                      <a:round/>
+                      <a:headEnd type="none" w="med" len="med"/>
+                      <a:tailEnd type="none" w="med" len="med"/>
+                    </a:lnB>
+                  </a:tcPr>
                 </a:tc>
                 <a:tc>
                   <a:txBody>
@@ -8251,7 +8643,44 @@
                       </a:r>
                     </a:p>
                   </a:txBody>
-                  <a:tcPr anchor="ctr"/>
+                  <a:tcPr anchor="ctr">
+                    <a:lnL w="12700" cap="flat" cmpd="sng" algn="ctr">
+                      <a:solidFill>
+                        <a:schemeClr val="tx1"/>
+                      </a:solidFill>
+                      <a:prstDash val="solid"/>
+                      <a:round/>
+                      <a:headEnd type="none" w="med" len="med"/>
+                      <a:tailEnd type="none" w="med" len="med"/>
+                    </a:lnL>
+                    <a:lnR w="12700" cap="flat" cmpd="sng" algn="ctr">
+                      <a:solidFill>
+                        <a:schemeClr val="tx1"/>
+                      </a:solidFill>
+                      <a:prstDash val="solid"/>
+                      <a:round/>
+                      <a:headEnd type="none" w="med" len="med"/>
+                      <a:tailEnd type="none" w="med" len="med"/>
+                    </a:lnR>
+                    <a:lnT w="12700" cap="flat" cmpd="sng" algn="ctr">
+                      <a:solidFill>
+                        <a:schemeClr val="tx1"/>
+                      </a:solidFill>
+                      <a:prstDash val="solid"/>
+                      <a:round/>
+                      <a:headEnd type="none" w="med" len="med"/>
+                      <a:tailEnd type="none" w="med" len="med"/>
+                    </a:lnT>
+                    <a:lnB w="12700" cap="flat" cmpd="sng" algn="ctr">
+                      <a:solidFill>
+                        <a:schemeClr val="tx1"/>
+                      </a:solidFill>
+                      <a:prstDash val="solid"/>
+                      <a:round/>
+                      <a:headEnd type="none" w="med" len="med"/>
+                      <a:tailEnd type="none" w="med" len="med"/>
+                    </a:lnB>
+                  </a:tcPr>
                 </a:tc>
                 <a:extLst>
                   <a:ext uri="{0D108BD9-81ED-4DB2-BD59-A6C34878D82A}">
@@ -8273,7 +8702,44 @@
                       <a:endParaRPr lang="ko-KR" altLang="en-US" dirty="0"/>
                     </a:p>
                   </a:txBody>
-                  <a:tcPr anchor="ctr"/>
+                  <a:tcPr anchor="ctr">
+                    <a:lnL w="12700" cap="flat" cmpd="sng" algn="ctr">
+                      <a:solidFill>
+                        <a:schemeClr val="tx1"/>
+                      </a:solidFill>
+                      <a:prstDash val="solid"/>
+                      <a:round/>
+                      <a:headEnd type="none" w="med" len="med"/>
+                      <a:tailEnd type="none" w="med" len="med"/>
+                    </a:lnL>
+                    <a:lnR w="12700" cap="flat" cmpd="sng" algn="ctr">
+                      <a:solidFill>
+                        <a:schemeClr val="tx1"/>
+                      </a:solidFill>
+                      <a:prstDash val="solid"/>
+                      <a:round/>
+                      <a:headEnd type="none" w="med" len="med"/>
+                      <a:tailEnd type="none" w="med" len="med"/>
+                    </a:lnR>
+                    <a:lnT w="12700" cap="flat" cmpd="sng" algn="ctr">
+                      <a:solidFill>
+                        <a:schemeClr val="tx1"/>
+                      </a:solidFill>
+                      <a:prstDash val="solid"/>
+                      <a:round/>
+                      <a:headEnd type="none" w="med" len="med"/>
+                      <a:tailEnd type="none" w="med" len="med"/>
+                    </a:lnT>
+                    <a:lnB w="12700" cap="flat" cmpd="sng" algn="ctr">
+                      <a:solidFill>
+                        <a:schemeClr val="tx1"/>
+                      </a:solidFill>
+                      <a:prstDash val="solid"/>
+                      <a:round/>
+                      <a:headEnd type="none" w="med" len="med"/>
+                      <a:tailEnd type="none" w="med" len="med"/>
+                    </a:lnB>
+                  </a:tcPr>
                 </a:tc>
                 <a:tc>
                   <a:txBody>
@@ -8287,7 +8753,44 @@
                       </a:r>
                     </a:p>
                   </a:txBody>
-                  <a:tcPr anchor="ctr"/>
+                  <a:tcPr anchor="ctr">
+                    <a:lnL w="12700" cap="flat" cmpd="sng" algn="ctr">
+                      <a:solidFill>
+                        <a:schemeClr val="tx1"/>
+                      </a:solidFill>
+                      <a:prstDash val="solid"/>
+                      <a:round/>
+                      <a:headEnd type="none" w="med" len="med"/>
+                      <a:tailEnd type="none" w="med" len="med"/>
+                    </a:lnL>
+                    <a:lnR w="12700" cap="flat" cmpd="sng" algn="ctr">
+                      <a:solidFill>
+                        <a:schemeClr val="tx1"/>
+                      </a:solidFill>
+                      <a:prstDash val="solid"/>
+                      <a:round/>
+                      <a:headEnd type="none" w="med" len="med"/>
+                      <a:tailEnd type="none" w="med" len="med"/>
+                    </a:lnR>
+                    <a:lnT w="12700" cap="flat" cmpd="sng" algn="ctr">
+                      <a:solidFill>
+                        <a:schemeClr val="tx1"/>
+                      </a:solidFill>
+                      <a:prstDash val="solid"/>
+                      <a:round/>
+                      <a:headEnd type="none" w="med" len="med"/>
+                      <a:tailEnd type="none" w="med" len="med"/>
+                    </a:lnT>
+                    <a:lnB w="12700" cap="flat" cmpd="sng" algn="ctr">
+                      <a:solidFill>
+                        <a:schemeClr val="tx1"/>
+                      </a:solidFill>
+                      <a:prstDash val="solid"/>
+                      <a:round/>
+                      <a:headEnd type="none" w="med" len="med"/>
+                      <a:tailEnd type="none" w="med" len="med"/>
+                    </a:lnB>
+                  </a:tcPr>
                 </a:tc>
                 <a:extLst>
                   <a:ext uri="{0D108BD9-81ED-4DB2-BD59-A6C34878D82A}">
@@ -8309,7 +8812,44 @@
                       <a:endParaRPr lang="ko-KR" altLang="en-US" dirty="0"/>
                     </a:p>
                   </a:txBody>
-                  <a:tcPr anchor="ctr"/>
+                  <a:tcPr anchor="ctr">
+                    <a:lnL w="12700" cap="flat" cmpd="sng" algn="ctr">
+                      <a:solidFill>
+                        <a:schemeClr val="tx1"/>
+                      </a:solidFill>
+                      <a:prstDash val="solid"/>
+                      <a:round/>
+                      <a:headEnd type="none" w="med" len="med"/>
+                      <a:tailEnd type="none" w="med" len="med"/>
+                    </a:lnL>
+                    <a:lnR w="12700" cap="flat" cmpd="sng" algn="ctr">
+                      <a:solidFill>
+                        <a:schemeClr val="tx1"/>
+                      </a:solidFill>
+                      <a:prstDash val="solid"/>
+                      <a:round/>
+                      <a:headEnd type="none" w="med" len="med"/>
+                      <a:tailEnd type="none" w="med" len="med"/>
+                    </a:lnR>
+                    <a:lnT w="12700" cap="flat" cmpd="sng" algn="ctr">
+                      <a:solidFill>
+                        <a:schemeClr val="tx1"/>
+                      </a:solidFill>
+                      <a:prstDash val="solid"/>
+                      <a:round/>
+                      <a:headEnd type="none" w="med" len="med"/>
+                      <a:tailEnd type="none" w="med" len="med"/>
+                    </a:lnT>
+                    <a:lnB w="12700" cap="flat" cmpd="sng" algn="ctr">
+                      <a:solidFill>
+                        <a:schemeClr val="tx1"/>
+                      </a:solidFill>
+                      <a:prstDash val="solid"/>
+                      <a:round/>
+                      <a:headEnd type="none" w="med" len="med"/>
+                      <a:tailEnd type="none" w="med" len="med"/>
+                    </a:lnB>
+                  </a:tcPr>
                 </a:tc>
                 <a:tc>
                   <a:txBody>
@@ -8323,7 +8863,44 @@
                       </a:r>
                     </a:p>
                   </a:txBody>
-                  <a:tcPr anchor="ctr"/>
+                  <a:tcPr anchor="ctr">
+                    <a:lnL w="12700" cap="flat" cmpd="sng" algn="ctr">
+                      <a:solidFill>
+                        <a:schemeClr val="tx1"/>
+                      </a:solidFill>
+                      <a:prstDash val="solid"/>
+                      <a:round/>
+                      <a:headEnd type="none" w="med" len="med"/>
+                      <a:tailEnd type="none" w="med" len="med"/>
+                    </a:lnL>
+                    <a:lnR w="12700" cap="flat" cmpd="sng" algn="ctr">
+                      <a:solidFill>
+                        <a:schemeClr val="tx1"/>
+                      </a:solidFill>
+                      <a:prstDash val="solid"/>
+                      <a:round/>
+                      <a:headEnd type="none" w="med" len="med"/>
+                      <a:tailEnd type="none" w="med" len="med"/>
+                    </a:lnR>
+                    <a:lnT w="12700" cap="flat" cmpd="sng" algn="ctr">
+                      <a:solidFill>
+                        <a:schemeClr val="tx1"/>
+                      </a:solidFill>
+                      <a:prstDash val="solid"/>
+                      <a:round/>
+                      <a:headEnd type="none" w="med" len="med"/>
+                      <a:tailEnd type="none" w="med" len="med"/>
+                    </a:lnT>
+                    <a:lnB w="12700" cap="flat" cmpd="sng" algn="ctr">
+                      <a:solidFill>
+                        <a:schemeClr val="tx1"/>
+                      </a:solidFill>
+                      <a:prstDash val="solid"/>
+                      <a:round/>
+                      <a:headEnd type="none" w="med" len="med"/>
+                      <a:tailEnd type="none" w="med" len="med"/>
+                    </a:lnB>
+                  </a:tcPr>
                 </a:tc>
                 <a:extLst>
                   <a:ext uri="{0D108BD9-81ED-4DB2-BD59-A6C34878D82A}">
@@ -8345,7 +8922,44 @@
                       <a:endParaRPr lang="ko-KR" altLang="en-US" dirty="0"/>
                     </a:p>
                   </a:txBody>
-                  <a:tcPr anchor="ctr"/>
+                  <a:tcPr anchor="ctr">
+                    <a:lnL w="12700" cap="flat" cmpd="sng" algn="ctr">
+                      <a:solidFill>
+                        <a:schemeClr val="tx1"/>
+                      </a:solidFill>
+                      <a:prstDash val="solid"/>
+                      <a:round/>
+                      <a:headEnd type="none" w="med" len="med"/>
+                      <a:tailEnd type="none" w="med" len="med"/>
+                    </a:lnL>
+                    <a:lnR w="12700" cap="flat" cmpd="sng" algn="ctr">
+                      <a:solidFill>
+                        <a:schemeClr val="tx1"/>
+                      </a:solidFill>
+                      <a:prstDash val="solid"/>
+                      <a:round/>
+                      <a:headEnd type="none" w="med" len="med"/>
+                      <a:tailEnd type="none" w="med" len="med"/>
+                    </a:lnR>
+                    <a:lnT w="12700" cap="flat" cmpd="sng" algn="ctr">
+                      <a:solidFill>
+                        <a:schemeClr val="tx1"/>
+                      </a:solidFill>
+                      <a:prstDash val="solid"/>
+                      <a:round/>
+                      <a:headEnd type="none" w="med" len="med"/>
+                      <a:tailEnd type="none" w="med" len="med"/>
+                    </a:lnT>
+                    <a:lnB w="12700" cap="flat" cmpd="sng" algn="ctr">
+                      <a:solidFill>
+                        <a:schemeClr val="tx1"/>
+                      </a:solidFill>
+                      <a:prstDash val="solid"/>
+                      <a:round/>
+                      <a:headEnd type="none" w="med" len="med"/>
+                      <a:tailEnd type="none" w="med" len="med"/>
+                    </a:lnB>
+                  </a:tcPr>
                 </a:tc>
                 <a:tc>
                   <a:txBody>
@@ -8359,7 +8973,44 @@
                       </a:r>
                     </a:p>
                   </a:txBody>
-                  <a:tcPr anchor="ctr"/>
+                  <a:tcPr anchor="ctr">
+                    <a:lnL w="12700" cap="flat" cmpd="sng" algn="ctr">
+                      <a:solidFill>
+                        <a:schemeClr val="tx1"/>
+                      </a:solidFill>
+                      <a:prstDash val="solid"/>
+                      <a:round/>
+                      <a:headEnd type="none" w="med" len="med"/>
+                      <a:tailEnd type="none" w="med" len="med"/>
+                    </a:lnL>
+                    <a:lnR w="12700" cap="flat" cmpd="sng" algn="ctr">
+                      <a:solidFill>
+                        <a:schemeClr val="tx1"/>
+                      </a:solidFill>
+                      <a:prstDash val="solid"/>
+                      <a:round/>
+                      <a:headEnd type="none" w="med" len="med"/>
+                      <a:tailEnd type="none" w="med" len="med"/>
+                    </a:lnR>
+                    <a:lnT w="12700" cap="flat" cmpd="sng" algn="ctr">
+                      <a:solidFill>
+                        <a:schemeClr val="tx1"/>
+                      </a:solidFill>
+                      <a:prstDash val="solid"/>
+                      <a:round/>
+                      <a:headEnd type="none" w="med" len="med"/>
+                      <a:tailEnd type="none" w="med" len="med"/>
+                    </a:lnT>
+                    <a:lnB w="12700" cap="flat" cmpd="sng" algn="ctr">
+                      <a:solidFill>
+                        <a:schemeClr val="tx1"/>
+                      </a:solidFill>
+                      <a:prstDash val="solid"/>
+                      <a:round/>
+                      <a:headEnd type="none" w="med" len="med"/>
+                      <a:tailEnd type="none" w="med" len="med"/>
+                    </a:lnB>
+                  </a:tcPr>
                 </a:tc>
                 <a:extLst>
                   <a:ext uri="{0D108BD9-81ED-4DB2-BD59-A6C34878D82A}">
@@ -8381,7 +9032,44 @@
                       <a:endParaRPr lang="ko-KR" altLang="en-US" dirty="0"/>
                     </a:p>
                   </a:txBody>
-                  <a:tcPr anchor="ctr"/>
+                  <a:tcPr anchor="ctr">
+                    <a:lnL w="12700" cap="flat" cmpd="sng" algn="ctr">
+                      <a:solidFill>
+                        <a:schemeClr val="tx1"/>
+                      </a:solidFill>
+                      <a:prstDash val="solid"/>
+                      <a:round/>
+                      <a:headEnd type="none" w="med" len="med"/>
+                      <a:tailEnd type="none" w="med" len="med"/>
+                    </a:lnL>
+                    <a:lnR w="12700" cap="flat" cmpd="sng" algn="ctr">
+                      <a:solidFill>
+                        <a:schemeClr val="tx1"/>
+                      </a:solidFill>
+                      <a:prstDash val="solid"/>
+                      <a:round/>
+                      <a:headEnd type="none" w="med" len="med"/>
+                      <a:tailEnd type="none" w="med" len="med"/>
+                    </a:lnR>
+                    <a:lnT w="12700" cap="flat" cmpd="sng" algn="ctr">
+                      <a:solidFill>
+                        <a:schemeClr val="tx1"/>
+                      </a:solidFill>
+                      <a:prstDash val="solid"/>
+                      <a:round/>
+                      <a:headEnd type="none" w="med" len="med"/>
+                      <a:tailEnd type="none" w="med" len="med"/>
+                    </a:lnT>
+                    <a:lnB w="12700" cap="flat" cmpd="sng" algn="ctr">
+                      <a:solidFill>
+                        <a:schemeClr val="tx1"/>
+                      </a:solidFill>
+                      <a:prstDash val="solid"/>
+                      <a:round/>
+                      <a:headEnd type="none" w="med" len="med"/>
+                      <a:tailEnd type="none" w="med" len="med"/>
+                    </a:lnB>
+                  </a:tcPr>
                 </a:tc>
                 <a:tc>
                   <a:txBody>
@@ -8395,7 +9083,44 @@
                       </a:r>
                     </a:p>
                   </a:txBody>
-                  <a:tcPr anchor="ctr"/>
+                  <a:tcPr anchor="ctr">
+                    <a:lnL w="12700" cap="flat" cmpd="sng" algn="ctr">
+                      <a:solidFill>
+                        <a:schemeClr val="tx1"/>
+                      </a:solidFill>
+                      <a:prstDash val="solid"/>
+                      <a:round/>
+                      <a:headEnd type="none" w="med" len="med"/>
+                      <a:tailEnd type="none" w="med" len="med"/>
+                    </a:lnL>
+                    <a:lnR w="12700" cap="flat" cmpd="sng" algn="ctr">
+                      <a:solidFill>
+                        <a:schemeClr val="tx1"/>
+                      </a:solidFill>
+                      <a:prstDash val="solid"/>
+                      <a:round/>
+                      <a:headEnd type="none" w="med" len="med"/>
+                      <a:tailEnd type="none" w="med" len="med"/>
+                    </a:lnR>
+                    <a:lnT w="12700" cap="flat" cmpd="sng" algn="ctr">
+                      <a:solidFill>
+                        <a:schemeClr val="tx1"/>
+                      </a:solidFill>
+                      <a:prstDash val="solid"/>
+                      <a:round/>
+                      <a:headEnd type="none" w="med" len="med"/>
+                      <a:tailEnd type="none" w="med" len="med"/>
+                    </a:lnT>
+                    <a:lnB w="12700" cap="flat" cmpd="sng" algn="ctr">
+                      <a:solidFill>
+                        <a:schemeClr val="tx1"/>
+                      </a:solidFill>
+                      <a:prstDash val="solid"/>
+                      <a:round/>
+                      <a:headEnd type="none" w="med" len="med"/>
+                      <a:tailEnd type="none" w="med" len="med"/>
+                    </a:lnB>
+                  </a:tcPr>
                 </a:tc>
                 <a:extLst>
                   <a:ext uri="{0D108BD9-81ED-4DB2-BD59-A6C34878D82A}">
@@ -8417,7 +9142,44 @@
                       <a:endParaRPr lang="ko-KR" altLang="en-US" dirty="0"/>
                     </a:p>
                   </a:txBody>
-                  <a:tcPr anchor="ctr"/>
+                  <a:tcPr anchor="ctr">
+                    <a:lnL w="12700" cap="flat" cmpd="sng" algn="ctr">
+                      <a:solidFill>
+                        <a:schemeClr val="tx1"/>
+                      </a:solidFill>
+                      <a:prstDash val="solid"/>
+                      <a:round/>
+                      <a:headEnd type="none" w="med" len="med"/>
+                      <a:tailEnd type="none" w="med" len="med"/>
+                    </a:lnL>
+                    <a:lnR w="12700" cap="flat" cmpd="sng" algn="ctr">
+                      <a:solidFill>
+                        <a:schemeClr val="tx1"/>
+                      </a:solidFill>
+                      <a:prstDash val="solid"/>
+                      <a:round/>
+                      <a:headEnd type="none" w="med" len="med"/>
+                      <a:tailEnd type="none" w="med" len="med"/>
+                    </a:lnR>
+                    <a:lnT w="12700" cap="flat" cmpd="sng" algn="ctr">
+                      <a:solidFill>
+                        <a:schemeClr val="tx1"/>
+                      </a:solidFill>
+                      <a:prstDash val="solid"/>
+                      <a:round/>
+                      <a:headEnd type="none" w="med" len="med"/>
+                      <a:tailEnd type="none" w="med" len="med"/>
+                    </a:lnT>
+                    <a:lnB w="12700" cap="flat" cmpd="sng" algn="ctr">
+                      <a:solidFill>
+                        <a:schemeClr val="tx1"/>
+                      </a:solidFill>
+                      <a:prstDash val="solid"/>
+                      <a:round/>
+                      <a:headEnd type="none" w="med" len="med"/>
+                      <a:tailEnd type="none" w="med" len="med"/>
+                    </a:lnB>
+                  </a:tcPr>
                 </a:tc>
                 <a:tc>
                   <a:txBody>
@@ -8431,7 +9193,44 @@
                       </a:r>
                     </a:p>
                   </a:txBody>
-                  <a:tcPr anchor="ctr"/>
+                  <a:tcPr anchor="ctr">
+                    <a:lnL w="12700" cap="flat" cmpd="sng" algn="ctr">
+                      <a:solidFill>
+                        <a:schemeClr val="tx1"/>
+                      </a:solidFill>
+                      <a:prstDash val="solid"/>
+                      <a:round/>
+                      <a:headEnd type="none" w="med" len="med"/>
+                      <a:tailEnd type="none" w="med" len="med"/>
+                    </a:lnL>
+                    <a:lnR w="12700" cap="flat" cmpd="sng" algn="ctr">
+                      <a:solidFill>
+                        <a:schemeClr val="tx1"/>
+                      </a:solidFill>
+                      <a:prstDash val="solid"/>
+                      <a:round/>
+                      <a:headEnd type="none" w="med" len="med"/>
+                      <a:tailEnd type="none" w="med" len="med"/>
+                    </a:lnR>
+                    <a:lnT w="12700" cap="flat" cmpd="sng" algn="ctr">
+                      <a:solidFill>
+                        <a:schemeClr val="tx1"/>
+                      </a:solidFill>
+                      <a:prstDash val="solid"/>
+                      <a:round/>
+                      <a:headEnd type="none" w="med" len="med"/>
+                      <a:tailEnd type="none" w="med" len="med"/>
+                    </a:lnT>
+                    <a:lnB w="12700" cap="flat" cmpd="sng" algn="ctr">
+                      <a:solidFill>
+                        <a:schemeClr val="tx1"/>
+                      </a:solidFill>
+                      <a:prstDash val="solid"/>
+                      <a:round/>
+                      <a:headEnd type="none" w="med" len="med"/>
+                      <a:tailEnd type="none" w="med" len="med"/>
+                    </a:lnB>
+                  </a:tcPr>
                 </a:tc>
                 <a:extLst>
                   <a:ext uri="{0D108BD9-81ED-4DB2-BD59-A6C34878D82A}">
@@ -8797,7 +9596,7 @@
           <p:nvPr>
             <p:extLst>
               <p:ext uri="{D42A27DB-BD31-4B8C-83A1-F6EECF244321}">
-                <p14:modId xmlns:p14="http://schemas.microsoft.com/office/powerpoint/2010/main" val="343177868"/>
+                <p14:modId xmlns:p14="http://schemas.microsoft.com/office/powerpoint/2010/main" val="416592228"/>
               </p:ext>
             </p:extLst>
           </p:nvPr>
@@ -8841,7 +9640,44 @@
                       </a:r>
                     </a:p>
                   </a:txBody>
-                  <a:tcPr anchor="ctr"/>
+                  <a:tcPr anchor="ctr">
+                    <a:lnL w="12700" cap="flat" cmpd="sng" algn="ctr">
+                      <a:solidFill>
+                        <a:schemeClr val="tx1"/>
+                      </a:solidFill>
+                      <a:prstDash val="solid"/>
+                      <a:round/>
+                      <a:headEnd type="none" w="med" len="med"/>
+                      <a:tailEnd type="none" w="med" len="med"/>
+                    </a:lnL>
+                    <a:lnR w="12700" cap="flat" cmpd="sng" algn="ctr">
+                      <a:solidFill>
+                        <a:schemeClr val="tx1"/>
+                      </a:solidFill>
+                      <a:prstDash val="solid"/>
+                      <a:round/>
+                      <a:headEnd type="none" w="med" len="med"/>
+                      <a:tailEnd type="none" w="med" len="med"/>
+                    </a:lnR>
+                    <a:lnT w="12700" cap="flat" cmpd="sng" algn="ctr">
+                      <a:solidFill>
+                        <a:schemeClr val="tx1"/>
+                      </a:solidFill>
+                      <a:prstDash val="solid"/>
+                      <a:round/>
+                      <a:headEnd type="none" w="med" len="med"/>
+                      <a:tailEnd type="none" w="med" len="med"/>
+                    </a:lnT>
+                    <a:lnB w="12700" cap="flat" cmpd="sng" algn="ctr">
+                      <a:solidFill>
+                        <a:schemeClr val="tx1"/>
+                      </a:solidFill>
+                      <a:prstDash val="solid"/>
+                      <a:round/>
+                      <a:headEnd type="none" w="med" len="med"/>
+                      <a:tailEnd type="none" w="med" len="med"/>
+                    </a:lnB>
+                  </a:tcPr>
                 </a:tc>
                 <a:tc>
                   <a:txBody>
@@ -8855,7 +9691,44 @@
                       </a:r>
                     </a:p>
                   </a:txBody>
-                  <a:tcPr anchor="ctr"/>
+                  <a:tcPr anchor="ctr">
+                    <a:lnL w="12700" cap="flat" cmpd="sng" algn="ctr">
+                      <a:solidFill>
+                        <a:schemeClr val="tx1"/>
+                      </a:solidFill>
+                      <a:prstDash val="solid"/>
+                      <a:round/>
+                      <a:headEnd type="none" w="med" len="med"/>
+                      <a:tailEnd type="none" w="med" len="med"/>
+                    </a:lnL>
+                    <a:lnR w="12700" cap="flat" cmpd="sng" algn="ctr">
+                      <a:solidFill>
+                        <a:schemeClr val="tx1"/>
+                      </a:solidFill>
+                      <a:prstDash val="solid"/>
+                      <a:round/>
+                      <a:headEnd type="none" w="med" len="med"/>
+                      <a:tailEnd type="none" w="med" len="med"/>
+                    </a:lnR>
+                    <a:lnT w="12700" cap="flat" cmpd="sng" algn="ctr">
+                      <a:solidFill>
+                        <a:schemeClr val="tx1"/>
+                      </a:solidFill>
+                      <a:prstDash val="solid"/>
+                      <a:round/>
+                      <a:headEnd type="none" w="med" len="med"/>
+                      <a:tailEnd type="none" w="med" len="med"/>
+                    </a:lnT>
+                    <a:lnB w="12700" cap="flat" cmpd="sng" algn="ctr">
+                      <a:solidFill>
+                        <a:schemeClr val="tx1"/>
+                      </a:solidFill>
+                      <a:prstDash val="solid"/>
+                      <a:round/>
+                      <a:headEnd type="none" w="med" len="med"/>
+                      <a:tailEnd type="none" w="med" len="med"/>
+                    </a:lnB>
+                  </a:tcPr>
                 </a:tc>
                 <a:extLst>
                   <a:ext uri="{0D108BD9-81ED-4DB2-BD59-A6C34878D82A}">
@@ -8877,7 +9750,44 @@
                       <a:endParaRPr lang="ko-KR" altLang="en-US" dirty="0"/>
                     </a:p>
                   </a:txBody>
-                  <a:tcPr anchor="ctr"/>
+                  <a:tcPr anchor="ctr">
+                    <a:lnL w="12700" cap="flat" cmpd="sng" algn="ctr">
+                      <a:solidFill>
+                        <a:schemeClr val="tx1"/>
+                      </a:solidFill>
+                      <a:prstDash val="solid"/>
+                      <a:round/>
+                      <a:headEnd type="none" w="med" len="med"/>
+                      <a:tailEnd type="none" w="med" len="med"/>
+                    </a:lnL>
+                    <a:lnR w="12700" cap="flat" cmpd="sng" algn="ctr">
+                      <a:solidFill>
+                        <a:schemeClr val="tx1"/>
+                      </a:solidFill>
+                      <a:prstDash val="solid"/>
+                      <a:round/>
+                      <a:headEnd type="none" w="med" len="med"/>
+                      <a:tailEnd type="none" w="med" len="med"/>
+                    </a:lnR>
+                    <a:lnT w="12700" cap="flat" cmpd="sng" algn="ctr">
+                      <a:solidFill>
+                        <a:schemeClr val="tx1"/>
+                      </a:solidFill>
+                      <a:prstDash val="solid"/>
+                      <a:round/>
+                      <a:headEnd type="none" w="med" len="med"/>
+                      <a:tailEnd type="none" w="med" len="med"/>
+                    </a:lnT>
+                    <a:lnB w="12700" cap="flat" cmpd="sng" algn="ctr">
+                      <a:solidFill>
+                        <a:schemeClr val="tx1"/>
+                      </a:solidFill>
+                      <a:prstDash val="solid"/>
+                      <a:round/>
+                      <a:headEnd type="none" w="med" len="med"/>
+                      <a:tailEnd type="none" w="med" len="med"/>
+                    </a:lnB>
+                  </a:tcPr>
                 </a:tc>
                 <a:tc>
                   <a:txBody>
@@ -8899,7 +9809,44 @@
                       </a:r>
                     </a:p>
                   </a:txBody>
-                  <a:tcPr anchor="ctr"/>
+                  <a:tcPr anchor="ctr">
+                    <a:lnL w="12700" cap="flat" cmpd="sng" algn="ctr">
+                      <a:solidFill>
+                        <a:schemeClr val="tx1"/>
+                      </a:solidFill>
+                      <a:prstDash val="solid"/>
+                      <a:round/>
+                      <a:headEnd type="none" w="med" len="med"/>
+                      <a:tailEnd type="none" w="med" len="med"/>
+                    </a:lnL>
+                    <a:lnR w="12700" cap="flat" cmpd="sng" algn="ctr">
+                      <a:solidFill>
+                        <a:schemeClr val="tx1"/>
+                      </a:solidFill>
+                      <a:prstDash val="solid"/>
+                      <a:round/>
+                      <a:headEnd type="none" w="med" len="med"/>
+                      <a:tailEnd type="none" w="med" len="med"/>
+                    </a:lnR>
+                    <a:lnT w="12700" cap="flat" cmpd="sng" algn="ctr">
+                      <a:solidFill>
+                        <a:schemeClr val="tx1"/>
+                      </a:solidFill>
+                      <a:prstDash val="solid"/>
+                      <a:round/>
+                      <a:headEnd type="none" w="med" len="med"/>
+                      <a:tailEnd type="none" w="med" len="med"/>
+                    </a:lnT>
+                    <a:lnB w="12700" cap="flat" cmpd="sng" algn="ctr">
+                      <a:solidFill>
+                        <a:schemeClr val="tx1"/>
+                      </a:solidFill>
+                      <a:prstDash val="solid"/>
+                      <a:round/>
+                      <a:headEnd type="none" w="med" len="med"/>
+                      <a:tailEnd type="none" w="med" len="med"/>
+                    </a:lnB>
+                  </a:tcPr>
                 </a:tc>
                 <a:extLst>
                   <a:ext uri="{0D108BD9-81ED-4DB2-BD59-A6C34878D82A}">
@@ -8921,7 +9868,44 @@
                       <a:endParaRPr lang="ko-KR" altLang="en-US" dirty="0"/>
                     </a:p>
                   </a:txBody>
-                  <a:tcPr anchor="ctr"/>
+                  <a:tcPr anchor="ctr">
+                    <a:lnL w="12700" cap="flat" cmpd="sng" algn="ctr">
+                      <a:solidFill>
+                        <a:schemeClr val="tx1"/>
+                      </a:solidFill>
+                      <a:prstDash val="solid"/>
+                      <a:round/>
+                      <a:headEnd type="none" w="med" len="med"/>
+                      <a:tailEnd type="none" w="med" len="med"/>
+                    </a:lnL>
+                    <a:lnR w="12700" cap="flat" cmpd="sng" algn="ctr">
+                      <a:solidFill>
+                        <a:schemeClr val="tx1"/>
+                      </a:solidFill>
+                      <a:prstDash val="solid"/>
+                      <a:round/>
+                      <a:headEnd type="none" w="med" len="med"/>
+                      <a:tailEnd type="none" w="med" len="med"/>
+                    </a:lnR>
+                    <a:lnT w="12700" cap="flat" cmpd="sng" algn="ctr">
+                      <a:solidFill>
+                        <a:schemeClr val="tx1"/>
+                      </a:solidFill>
+                      <a:prstDash val="solid"/>
+                      <a:round/>
+                      <a:headEnd type="none" w="med" len="med"/>
+                      <a:tailEnd type="none" w="med" len="med"/>
+                    </a:lnT>
+                    <a:lnB w="12700" cap="flat" cmpd="sng" algn="ctr">
+                      <a:solidFill>
+                        <a:schemeClr val="tx1"/>
+                      </a:solidFill>
+                      <a:prstDash val="solid"/>
+                      <a:round/>
+                      <a:headEnd type="none" w="med" len="med"/>
+                      <a:tailEnd type="none" w="med" len="med"/>
+                    </a:lnB>
+                  </a:tcPr>
                 </a:tc>
                 <a:tc>
                   <a:txBody>
@@ -8943,7 +9927,44 @@
                       </a:r>
                     </a:p>
                   </a:txBody>
-                  <a:tcPr anchor="ctr"/>
+                  <a:tcPr anchor="ctr">
+                    <a:lnL w="12700" cap="flat" cmpd="sng" algn="ctr">
+                      <a:solidFill>
+                        <a:schemeClr val="tx1"/>
+                      </a:solidFill>
+                      <a:prstDash val="solid"/>
+                      <a:round/>
+                      <a:headEnd type="none" w="med" len="med"/>
+                      <a:tailEnd type="none" w="med" len="med"/>
+                    </a:lnL>
+                    <a:lnR w="12700" cap="flat" cmpd="sng" algn="ctr">
+                      <a:solidFill>
+                        <a:schemeClr val="tx1"/>
+                      </a:solidFill>
+                      <a:prstDash val="solid"/>
+                      <a:round/>
+                      <a:headEnd type="none" w="med" len="med"/>
+                      <a:tailEnd type="none" w="med" len="med"/>
+                    </a:lnR>
+                    <a:lnT w="12700" cap="flat" cmpd="sng" algn="ctr">
+                      <a:solidFill>
+                        <a:schemeClr val="tx1"/>
+                      </a:solidFill>
+                      <a:prstDash val="solid"/>
+                      <a:round/>
+                      <a:headEnd type="none" w="med" len="med"/>
+                      <a:tailEnd type="none" w="med" len="med"/>
+                    </a:lnT>
+                    <a:lnB w="12700" cap="flat" cmpd="sng" algn="ctr">
+                      <a:solidFill>
+                        <a:schemeClr val="tx1"/>
+                      </a:solidFill>
+                      <a:prstDash val="solid"/>
+                      <a:round/>
+                      <a:headEnd type="none" w="med" len="med"/>
+                      <a:tailEnd type="none" w="med" len="med"/>
+                    </a:lnB>
+                  </a:tcPr>
                 </a:tc>
                 <a:extLst>
                   <a:ext uri="{0D108BD9-81ED-4DB2-BD59-A6C34878D82A}">
@@ -8965,7 +9986,44 @@
                       <a:endParaRPr lang="ko-KR" altLang="en-US" dirty="0"/>
                     </a:p>
                   </a:txBody>
-                  <a:tcPr anchor="ctr"/>
+                  <a:tcPr anchor="ctr">
+                    <a:lnL w="12700" cap="flat" cmpd="sng" algn="ctr">
+                      <a:solidFill>
+                        <a:schemeClr val="tx1"/>
+                      </a:solidFill>
+                      <a:prstDash val="solid"/>
+                      <a:round/>
+                      <a:headEnd type="none" w="med" len="med"/>
+                      <a:tailEnd type="none" w="med" len="med"/>
+                    </a:lnL>
+                    <a:lnR w="12700" cap="flat" cmpd="sng" algn="ctr">
+                      <a:solidFill>
+                        <a:schemeClr val="tx1"/>
+                      </a:solidFill>
+                      <a:prstDash val="solid"/>
+                      <a:round/>
+                      <a:headEnd type="none" w="med" len="med"/>
+                      <a:tailEnd type="none" w="med" len="med"/>
+                    </a:lnR>
+                    <a:lnT w="12700" cap="flat" cmpd="sng" algn="ctr">
+                      <a:solidFill>
+                        <a:schemeClr val="tx1"/>
+                      </a:solidFill>
+                      <a:prstDash val="solid"/>
+                      <a:round/>
+                      <a:headEnd type="none" w="med" len="med"/>
+                      <a:tailEnd type="none" w="med" len="med"/>
+                    </a:lnT>
+                    <a:lnB w="12700" cap="flat" cmpd="sng" algn="ctr">
+                      <a:solidFill>
+                        <a:schemeClr val="tx1"/>
+                      </a:solidFill>
+                      <a:prstDash val="solid"/>
+                      <a:round/>
+                      <a:headEnd type="none" w="med" len="med"/>
+                      <a:tailEnd type="none" w="med" len="med"/>
+                    </a:lnB>
+                  </a:tcPr>
                 </a:tc>
                 <a:tc>
                   <a:txBody>
@@ -8979,7 +10037,44 @@
                       </a:r>
                     </a:p>
                   </a:txBody>
-                  <a:tcPr anchor="ctr"/>
+                  <a:tcPr anchor="ctr">
+                    <a:lnL w="12700" cap="flat" cmpd="sng" algn="ctr">
+                      <a:solidFill>
+                        <a:schemeClr val="tx1"/>
+                      </a:solidFill>
+                      <a:prstDash val="solid"/>
+                      <a:round/>
+                      <a:headEnd type="none" w="med" len="med"/>
+                      <a:tailEnd type="none" w="med" len="med"/>
+                    </a:lnL>
+                    <a:lnR w="12700" cap="flat" cmpd="sng" algn="ctr">
+                      <a:solidFill>
+                        <a:schemeClr val="tx1"/>
+                      </a:solidFill>
+                      <a:prstDash val="solid"/>
+                      <a:round/>
+                      <a:headEnd type="none" w="med" len="med"/>
+                      <a:tailEnd type="none" w="med" len="med"/>
+                    </a:lnR>
+                    <a:lnT w="12700" cap="flat" cmpd="sng" algn="ctr">
+                      <a:solidFill>
+                        <a:schemeClr val="tx1"/>
+                      </a:solidFill>
+                      <a:prstDash val="solid"/>
+                      <a:round/>
+                      <a:headEnd type="none" w="med" len="med"/>
+                      <a:tailEnd type="none" w="med" len="med"/>
+                    </a:lnT>
+                    <a:lnB w="12700" cap="flat" cmpd="sng" algn="ctr">
+                      <a:solidFill>
+                        <a:schemeClr val="tx1"/>
+                      </a:solidFill>
+                      <a:prstDash val="solid"/>
+                      <a:round/>
+                      <a:headEnd type="none" w="med" len="med"/>
+                      <a:tailEnd type="none" w="med" len="med"/>
+                    </a:lnB>
+                  </a:tcPr>
                 </a:tc>
                 <a:extLst>
                   <a:ext uri="{0D108BD9-81ED-4DB2-BD59-A6C34878D82A}">
@@ -9349,7 +10444,7 @@
           <p:nvPr>
             <p:extLst>
               <p:ext uri="{D42A27DB-BD31-4B8C-83A1-F6EECF244321}">
-                <p14:modId xmlns:p14="http://schemas.microsoft.com/office/powerpoint/2010/main" val="2210766472"/>
+                <p14:modId xmlns:p14="http://schemas.microsoft.com/office/powerpoint/2010/main" val="2687777657"/>
               </p:ext>
             </p:extLst>
           </p:nvPr>
@@ -9400,7 +10495,44 @@
                       </a:r>
                     </a:p>
                   </a:txBody>
-                  <a:tcPr anchor="ctr"/>
+                  <a:tcPr anchor="ctr">
+                    <a:lnL w="12700" cap="flat" cmpd="sng" algn="ctr">
+                      <a:solidFill>
+                        <a:schemeClr val="tx1"/>
+                      </a:solidFill>
+                      <a:prstDash val="solid"/>
+                      <a:round/>
+                      <a:headEnd type="none" w="med" len="med"/>
+                      <a:tailEnd type="none" w="med" len="med"/>
+                    </a:lnL>
+                    <a:lnR w="12700" cap="flat" cmpd="sng" algn="ctr">
+                      <a:solidFill>
+                        <a:schemeClr val="tx1"/>
+                      </a:solidFill>
+                      <a:prstDash val="solid"/>
+                      <a:round/>
+                      <a:headEnd type="none" w="med" len="med"/>
+                      <a:tailEnd type="none" w="med" len="med"/>
+                    </a:lnR>
+                    <a:lnT w="12700" cap="flat" cmpd="sng" algn="ctr">
+                      <a:solidFill>
+                        <a:schemeClr val="tx1"/>
+                      </a:solidFill>
+                      <a:prstDash val="solid"/>
+                      <a:round/>
+                      <a:headEnd type="none" w="med" len="med"/>
+                      <a:tailEnd type="none" w="med" len="med"/>
+                    </a:lnT>
+                    <a:lnB w="12700" cap="flat" cmpd="sng" algn="ctr">
+                      <a:solidFill>
+                        <a:schemeClr val="tx1"/>
+                      </a:solidFill>
+                      <a:prstDash val="solid"/>
+                      <a:round/>
+                      <a:headEnd type="none" w="med" len="med"/>
+                      <a:tailEnd type="none" w="med" len="med"/>
+                    </a:lnB>
+                  </a:tcPr>
                 </a:tc>
                 <a:tc hMerge="1">
                   <a:txBody>
@@ -9425,7 +10557,44 @@
                       </a:r>
                     </a:p>
                   </a:txBody>
-                  <a:tcPr anchor="ctr"/>
+                  <a:tcPr anchor="ctr">
+                    <a:lnL w="12700" cap="flat" cmpd="sng" algn="ctr">
+                      <a:solidFill>
+                        <a:schemeClr val="tx1"/>
+                      </a:solidFill>
+                      <a:prstDash val="solid"/>
+                      <a:round/>
+                      <a:headEnd type="none" w="med" len="med"/>
+                      <a:tailEnd type="none" w="med" len="med"/>
+                    </a:lnL>
+                    <a:lnR w="12700" cap="flat" cmpd="sng" algn="ctr">
+                      <a:solidFill>
+                        <a:schemeClr val="tx1"/>
+                      </a:solidFill>
+                      <a:prstDash val="solid"/>
+                      <a:round/>
+                      <a:headEnd type="none" w="med" len="med"/>
+                      <a:tailEnd type="none" w="med" len="med"/>
+                    </a:lnR>
+                    <a:lnT w="12700" cap="flat" cmpd="sng" algn="ctr">
+                      <a:solidFill>
+                        <a:schemeClr val="tx1"/>
+                      </a:solidFill>
+                      <a:prstDash val="solid"/>
+                      <a:round/>
+                      <a:headEnd type="none" w="med" len="med"/>
+                      <a:tailEnd type="none" w="med" len="med"/>
+                    </a:lnT>
+                    <a:lnB w="12700" cap="flat" cmpd="sng" algn="ctr">
+                      <a:solidFill>
+                        <a:schemeClr val="tx1"/>
+                      </a:solidFill>
+                      <a:prstDash val="solid"/>
+                      <a:round/>
+                      <a:headEnd type="none" w="med" len="med"/>
+                      <a:tailEnd type="none" w="med" len="med"/>
+                    </a:lnB>
+                  </a:tcPr>
                 </a:tc>
                 <a:extLst>
                   <a:ext uri="{0D108BD9-81ED-4DB2-BD59-A6C34878D82A}">
@@ -9451,7 +10620,44 @@
                       <a:endParaRPr lang="ko-KR" altLang="en-US" dirty="0"/>
                     </a:p>
                   </a:txBody>
-                  <a:tcPr anchor="ctr"/>
+                  <a:tcPr anchor="ctr">
+                    <a:lnL w="12700" cap="flat" cmpd="sng" algn="ctr">
+                      <a:solidFill>
+                        <a:schemeClr val="tx1"/>
+                      </a:solidFill>
+                      <a:prstDash val="solid"/>
+                      <a:round/>
+                      <a:headEnd type="none" w="med" len="med"/>
+                      <a:tailEnd type="none" w="med" len="med"/>
+                    </a:lnL>
+                    <a:lnR w="12700" cap="flat" cmpd="sng" algn="ctr">
+                      <a:solidFill>
+                        <a:schemeClr val="tx1"/>
+                      </a:solidFill>
+                      <a:prstDash val="solid"/>
+                      <a:round/>
+                      <a:headEnd type="none" w="med" len="med"/>
+                      <a:tailEnd type="none" w="med" len="med"/>
+                    </a:lnR>
+                    <a:lnT w="12700" cap="flat" cmpd="sng" algn="ctr">
+                      <a:solidFill>
+                        <a:schemeClr val="tx1"/>
+                      </a:solidFill>
+                      <a:prstDash val="solid"/>
+                      <a:round/>
+                      <a:headEnd type="none" w="med" len="med"/>
+                      <a:tailEnd type="none" w="med" len="med"/>
+                    </a:lnT>
+                    <a:lnB w="12700" cap="flat" cmpd="sng" algn="ctr">
+                      <a:solidFill>
+                        <a:schemeClr val="tx1"/>
+                      </a:solidFill>
+                      <a:prstDash val="solid"/>
+                      <a:round/>
+                      <a:headEnd type="none" w="med" len="med"/>
+                      <a:tailEnd type="none" w="med" len="med"/>
+                    </a:lnB>
+                  </a:tcPr>
                 </a:tc>
                 <a:tc hMerge="1">
                   <a:txBody>
@@ -9509,7 +10715,44 @@
                       <a:endParaRPr lang="ko-KR" altLang="en-US" dirty="0"/>
                     </a:p>
                   </a:txBody>
-                  <a:tcPr anchor="ctr"/>
+                  <a:tcPr anchor="ctr">
+                    <a:lnL w="12700" cap="flat" cmpd="sng" algn="ctr">
+                      <a:solidFill>
+                        <a:schemeClr val="tx1"/>
+                      </a:solidFill>
+                      <a:prstDash val="solid"/>
+                      <a:round/>
+                      <a:headEnd type="none" w="med" len="med"/>
+                      <a:tailEnd type="none" w="med" len="med"/>
+                    </a:lnL>
+                    <a:lnR w="12700" cap="flat" cmpd="sng" algn="ctr">
+                      <a:solidFill>
+                        <a:schemeClr val="tx1"/>
+                      </a:solidFill>
+                      <a:prstDash val="solid"/>
+                      <a:round/>
+                      <a:headEnd type="none" w="med" len="med"/>
+                      <a:tailEnd type="none" w="med" len="med"/>
+                    </a:lnR>
+                    <a:lnT w="12700" cap="flat" cmpd="sng" algn="ctr">
+                      <a:solidFill>
+                        <a:schemeClr val="tx1"/>
+                      </a:solidFill>
+                      <a:prstDash val="solid"/>
+                      <a:round/>
+                      <a:headEnd type="none" w="med" len="med"/>
+                      <a:tailEnd type="none" w="med" len="med"/>
+                    </a:lnT>
+                    <a:lnB w="12700" cap="flat" cmpd="sng" algn="ctr">
+                      <a:solidFill>
+                        <a:schemeClr val="tx1"/>
+                      </a:solidFill>
+                      <a:prstDash val="solid"/>
+                      <a:round/>
+                      <a:headEnd type="none" w="med" len="med"/>
+                      <a:tailEnd type="none" w="med" len="med"/>
+                    </a:lnB>
+                  </a:tcPr>
                 </a:tc>
                 <a:extLst>
                   <a:ext uri="{0D108BD9-81ED-4DB2-BD59-A6C34878D82A}">
@@ -9535,7 +10778,44 @@
                       <a:endParaRPr lang="ko-KR" altLang="en-US" dirty="0"/>
                     </a:p>
                   </a:txBody>
-                  <a:tcPr anchor="ctr"/>
+                  <a:tcPr anchor="ctr">
+                    <a:lnL w="12700" cap="flat" cmpd="sng" algn="ctr">
+                      <a:solidFill>
+                        <a:schemeClr val="tx1"/>
+                      </a:solidFill>
+                      <a:prstDash val="solid"/>
+                      <a:round/>
+                      <a:headEnd type="none" w="med" len="med"/>
+                      <a:tailEnd type="none" w="med" len="med"/>
+                    </a:lnL>
+                    <a:lnR w="12700" cap="flat" cmpd="sng" algn="ctr">
+                      <a:solidFill>
+                        <a:schemeClr val="tx1"/>
+                      </a:solidFill>
+                      <a:prstDash val="solid"/>
+                      <a:round/>
+                      <a:headEnd type="none" w="med" len="med"/>
+                      <a:tailEnd type="none" w="med" len="med"/>
+                    </a:lnR>
+                    <a:lnT w="12700" cap="flat" cmpd="sng" algn="ctr">
+                      <a:solidFill>
+                        <a:schemeClr val="tx1"/>
+                      </a:solidFill>
+                      <a:prstDash val="solid"/>
+                      <a:round/>
+                      <a:headEnd type="none" w="med" len="med"/>
+                      <a:tailEnd type="none" w="med" len="med"/>
+                    </a:lnT>
+                    <a:lnB w="12700" cap="flat" cmpd="sng" algn="ctr">
+                      <a:solidFill>
+                        <a:schemeClr val="tx1"/>
+                      </a:solidFill>
+                      <a:prstDash val="solid"/>
+                      <a:round/>
+                      <a:headEnd type="none" w="med" len="med"/>
+                      <a:tailEnd type="none" w="med" len="med"/>
+                    </a:lnB>
+                  </a:tcPr>
                 </a:tc>
                 <a:tc hMerge="1">
                   <a:txBody>
@@ -9569,7 +10849,44 @@
                       <a:endParaRPr lang="ko-KR" altLang="en-US" dirty="0"/>
                     </a:p>
                   </a:txBody>
-                  <a:tcPr anchor="ctr"/>
+                  <a:tcPr anchor="ctr">
+                    <a:lnL w="12700" cap="flat" cmpd="sng" algn="ctr">
+                      <a:solidFill>
+                        <a:schemeClr val="tx1"/>
+                      </a:solidFill>
+                      <a:prstDash val="solid"/>
+                      <a:round/>
+                      <a:headEnd type="none" w="med" len="med"/>
+                      <a:tailEnd type="none" w="med" len="med"/>
+                    </a:lnL>
+                    <a:lnR w="12700" cap="flat" cmpd="sng" algn="ctr">
+                      <a:solidFill>
+                        <a:schemeClr val="tx1"/>
+                      </a:solidFill>
+                      <a:prstDash val="solid"/>
+                      <a:round/>
+                      <a:headEnd type="none" w="med" len="med"/>
+                      <a:tailEnd type="none" w="med" len="med"/>
+                    </a:lnR>
+                    <a:lnT w="12700" cap="flat" cmpd="sng" algn="ctr">
+                      <a:solidFill>
+                        <a:schemeClr val="tx1"/>
+                      </a:solidFill>
+                      <a:prstDash val="solid"/>
+                      <a:round/>
+                      <a:headEnd type="none" w="med" len="med"/>
+                      <a:tailEnd type="none" w="med" len="med"/>
+                    </a:lnT>
+                    <a:lnB w="12700" cap="flat" cmpd="sng" algn="ctr">
+                      <a:solidFill>
+                        <a:schemeClr val="tx1"/>
+                      </a:solidFill>
+                      <a:prstDash val="solid"/>
+                      <a:round/>
+                      <a:headEnd type="none" w="med" len="med"/>
+                      <a:tailEnd type="none" w="med" len="med"/>
+                    </a:lnB>
+                  </a:tcPr>
                 </a:tc>
                 <a:extLst>
                   <a:ext uri="{0D108BD9-81ED-4DB2-BD59-A6C34878D82A}">
@@ -9591,7 +10908,44 @@
                       <a:endParaRPr lang="ko-KR" altLang="en-US" dirty="0"/>
                     </a:p>
                   </a:txBody>
-                  <a:tcPr anchor="ctr"/>
+                  <a:tcPr anchor="ctr">
+                    <a:lnL w="12700" cap="flat" cmpd="sng" algn="ctr">
+                      <a:solidFill>
+                        <a:schemeClr val="tx1"/>
+                      </a:solidFill>
+                      <a:prstDash val="solid"/>
+                      <a:round/>
+                      <a:headEnd type="none" w="med" len="med"/>
+                      <a:tailEnd type="none" w="med" len="med"/>
+                    </a:lnL>
+                    <a:lnR w="12700" cap="flat" cmpd="sng" algn="ctr">
+                      <a:solidFill>
+                        <a:schemeClr val="tx1"/>
+                      </a:solidFill>
+                      <a:prstDash val="solid"/>
+                      <a:round/>
+                      <a:headEnd type="none" w="med" len="med"/>
+                      <a:tailEnd type="none" w="med" len="med"/>
+                    </a:lnR>
+                    <a:lnT w="12700" cap="flat" cmpd="sng" algn="ctr">
+                      <a:solidFill>
+                        <a:schemeClr val="tx1"/>
+                      </a:solidFill>
+                      <a:prstDash val="solid"/>
+                      <a:round/>
+                      <a:headEnd type="none" w="med" len="med"/>
+                      <a:tailEnd type="none" w="med" len="med"/>
+                    </a:lnT>
+                    <a:lnB w="12700" cap="flat" cmpd="sng" algn="ctr">
+                      <a:solidFill>
+                        <a:schemeClr val="tx1"/>
+                      </a:solidFill>
+                      <a:prstDash val="solid"/>
+                      <a:round/>
+                      <a:headEnd type="none" w="med" len="med"/>
+                      <a:tailEnd type="none" w="med" len="med"/>
+                    </a:lnB>
+                  </a:tcPr>
                 </a:tc>
                 <a:tc hMerge="1">
                   <a:txBody>
@@ -9629,7 +10983,44 @@
                       <a:endParaRPr lang="ko-KR" altLang="en-US" dirty="0"/>
                     </a:p>
                   </a:txBody>
-                  <a:tcPr anchor="ctr"/>
+                  <a:tcPr anchor="ctr">
+                    <a:lnL w="12700" cap="flat" cmpd="sng" algn="ctr">
+                      <a:solidFill>
+                        <a:schemeClr val="tx1"/>
+                      </a:solidFill>
+                      <a:prstDash val="solid"/>
+                      <a:round/>
+                      <a:headEnd type="none" w="med" len="med"/>
+                      <a:tailEnd type="none" w="med" len="med"/>
+                    </a:lnL>
+                    <a:lnR w="12700" cap="flat" cmpd="sng" algn="ctr">
+                      <a:solidFill>
+                        <a:schemeClr val="tx1"/>
+                      </a:solidFill>
+                      <a:prstDash val="solid"/>
+                      <a:round/>
+                      <a:headEnd type="none" w="med" len="med"/>
+                      <a:tailEnd type="none" w="med" len="med"/>
+                    </a:lnR>
+                    <a:lnT w="12700" cap="flat" cmpd="sng" algn="ctr">
+                      <a:solidFill>
+                        <a:schemeClr val="tx1"/>
+                      </a:solidFill>
+                      <a:prstDash val="solid"/>
+                      <a:round/>
+                      <a:headEnd type="none" w="med" len="med"/>
+                      <a:tailEnd type="none" w="med" len="med"/>
+                    </a:lnT>
+                    <a:lnB w="12700" cap="flat" cmpd="sng" algn="ctr">
+                      <a:solidFill>
+                        <a:schemeClr val="tx1"/>
+                      </a:solidFill>
+                      <a:prstDash val="solid"/>
+                      <a:round/>
+                      <a:headEnd type="none" w="med" len="med"/>
+                      <a:tailEnd type="none" w="med" len="med"/>
+                    </a:lnB>
+                  </a:tcPr>
                 </a:tc>
                 <a:extLst>
                   <a:ext uri="{0D108BD9-81ED-4DB2-BD59-A6C34878D82A}">
@@ -9650,7 +11041,44 @@
                       </a:r>
                     </a:p>
                   </a:txBody>
-                  <a:tcPr anchor="ctr"/>
+                  <a:tcPr anchor="ctr">
+                    <a:lnL w="12700" cap="flat" cmpd="sng" algn="ctr">
+                      <a:solidFill>
+                        <a:schemeClr val="tx1"/>
+                      </a:solidFill>
+                      <a:prstDash val="solid"/>
+                      <a:round/>
+                      <a:headEnd type="none" w="med" len="med"/>
+                      <a:tailEnd type="none" w="med" len="med"/>
+                    </a:lnL>
+                    <a:lnR w="12700" cap="flat" cmpd="sng" algn="ctr">
+                      <a:solidFill>
+                        <a:schemeClr val="tx1"/>
+                      </a:solidFill>
+                      <a:prstDash val="solid"/>
+                      <a:round/>
+                      <a:headEnd type="none" w="med" len="med"/>
+                      <a:tailEnd type="none" w="med" len="med"/>
+                    </a:lnR>
+                    <a:lnT w="12700" cap="flat" cmpd="sng" algn="ctr">
+                      <a:solidFill>
+                        <a:schemeClr val="tx1"/>
+                      </a:solidFill>
+                      <a:prstDash val="solid"/>
+                      <a:round/>
+                      <a:headEnd type="none" w="med" len="med"/>
+                      <a:tailEnd type="none" w="med" len="med"/>
+                    </a:lnT>
+                    <a:lnB w="12700" cap="flat" cmpd="sng" algn="ctr">
+                      <a:solidFill>
+                        <a:schemeClr val="tx1"/>
+                      </a:solidFill>
+                      <a:prstDash val="solid"/>
+                      <a:round/>
+                      <a:headEnd type="none" w="med" len="med"/>
+                      <a:tailEnd type="none" w="med" len="med"/>
+                    </a:lnB>
+                  </a:tcPr>
                 </a:tc>
                 <a:tc>
                   <a:txBody>
@@ -9665,7 +11093,44 @@
                       <a:endParaRPr lang="ko-KR" altLang="en-US" dirty="0"/>
                     </a:p>
                   </a:txBody>
-                  <a:tcPr anchor="ctr"/>
+                  <a:tcPr anchor="ctr">
+                    <a:lnL w="12700" cap="flat" cmpd="sng" algn="ctr">
+                      <a:solidFill>
+                        <a:schemeClr val="tx1"/>
+                      </a:solidFill>
+                      <a:prstDash val="solid"/>
+                      <a:round/>
+                      <a:headEnd type="none" w="med" len="med"/>
+                      <a:tailEnd type="none" w="med" len="med"/>
+                    </a:lnL>
+                    <a:lnR w="12700" cap="flat" cmpd="sng" algn="ctr">
+                      <a:solidFill>
+                        <a:schemeClr val="tx1"/>
+                      </a:solidFill>
+                      <a:prstDash val="solid"/>
+                      <a:round/>
+                      <a:headEnd type="none" w="med" len="med"/>
+                      <a:tailEnd type="none" w="med" len="med"/>
+                    </a:lnR>
+                    <a:lnT w="12700" cap="flat" cmpd="sng" algn="ctr">
+                      <a:solidFill>
+                        <a:schemeClr val="tx1"/>
+                      </a:solidFill>
+                      <a:prstDash val="solid"/>
+                      <a:round/>
+                      <a:headEnd type="none" w="med" len="med"/>
+                      <a:tailEnd type="none" w="med" len="med"/>
+                    </a:lnT>
+                    <a:lnB w="12700" cap="flat" cmpd="sng" algn="ctr">
+                      <a:solidFill>
+                        <a:schemeClr val="tx1"/>
+                      </a:solidFill>
+                      <a:prstDash val="solid"/>
+                      <a:round/>
+                      <a:headEnd type="none" w="med" len="med"/>
+                      <a:tailEnd type="none" w="med" len="med"/>
+                    </a:lnB>
+                  </a:tcPr>
                 </a:tc>
                 <a:tc>
                   <a:txBody>
@@ -9687,7 +11152,44 @@
                       </a:r>
                     </a:p>
                   </a:txBody>
-                  <a:tcPr anchor="ctr"/>
+                  <a:tcPr anchor="ctr">
+                    <a:lnL w="12700" cap="flat" cmpd="sng" algn="ctr">
+                      <a:solidFill>
+                        <a:schemeClr val="tx1"/>
+                      </a:solidFill>
+                      <a:prstDash val="solid"/>
+                      <a:round/>
+                      <a:headEnd type="none" w="med" len="med"/>
+                      <a:tailEnd type="none" w="med" len="med"/>
+                    </a:lnL>
+                    <a:lnR w="12700" cap="flat" cmpd="sng" algn="ctr">
+                      <a:solidFill>
+                        <a:schemeClr val="tx1"/>
+                      </a:solidFill>
+                      <a:prstDash val="solid"/>
+                      <a:round/>
+                      <a:headEnd type="none" w="med" len="med"/>
+                      <a:tailEnd type="none" w="med" len="med"/>
+                    </a:lnR>
+                    <a:lnT w="12700" cap="flat" cmpd="sng" algn="ctr">
+                      <a:solidFill>
+                        <a:schemeClr val="tx1"/>
+                      </a:solidFill>
+                      <a:prstDash val="solid"/>
+                      <a:round/>
+                      <a:headEnd type="none" w="med" len="med"/>
+                      <a:tailEnd type="none" w="med" len="med"/>
+                    </a:lnT>
+                    <a:lnB w="12700" cap="flat" cmpd="sng" algn="ctr">
+                      <a:solidFill>
+                        <a:schemeClr val="tx1"/>
+                      </a:solidFill>
+                      <a:prstDash val="solid"/>
+                      <a:round/>
+                      <a:headEnd type="none" w="med" len="med"/>
+                      <a:tailEnd type="none" w="med" len="med"/>
+                    </a:lnB>
+                  </a:tcPr>
                 </a:tc>
                 <a:extLst>
                   <a:ext uri="{0D108BD9-81ED-4DB2-BD59-A6C34878D82A}">
@@ -9720,7 +11222,44 @@
                       <a:endParaRPr lang="ko-KR" altLang="en-US" dirty="0"/>
                     </a:p>
                   </a:txBody>
-                  <a:tcPr anchor="ctr"/>
+                  <a:tcPr anchor="ctr">
+                    <a:lnL w="12700" cap="flat" cmpd="sng" algn="ctr">
+                      <a:solidFill>
+                        <a:schemeClr val="tx1"/>
+                      </a:solidFill>
+                      <a:prstDash val="solid"/>
+                      <a:round/>
+                      <a:headEnd type="none" w="med" len="med"/>
+                      <a:tailEnd type="none" w="med" len="med"/>
+                    </a:lnL>
+                    <a:lnR w="12700" cap="flat" cmpd="sng" algn="ctr">
+                      <a:solidFill>
+                        <a:schemeClr val="tx1"/>
+                      </a:solidFill>
+                      <a:prstDash val="solid"/>
+                      <a:round/>
+                      <a:headEnd type="none" w="med" len="med"/>
+                      <a:tailEnd type="none" w="med" len="med"/>
+                    </a:lnR>
+                    <a:lnT w="12700" cap="flat" cmpd="sng" algn="ctr">
+                      <a:solidFill>
+                        <a:schemeClr val="tx1"/>
+                      </a:solidFill>
+                      <a:prstDash val="solid"/>
+                      <a:round/>
+                      <a:headEnd type="none" w="med" len="med"/>
+                      <a:tailEnd type="none" w="med" len="med"/>
+                    </a:lnT>
+                    <a:lnB w="12700" cap="flat" cmpd="sng" algn="ctr">
+                      <a:solidFill>
+                        <a:schemeClr val="tx1"/>
+                      </a:solidFill>
+                      <a:prstDash val="solid"/>
+                      <a:round/>
+                      <a:headEnd type="none" w="med" len="med"/>
+                      <a:tailEnd type="none" w="med" len="med"/>
+                    </a:lnB>
+                  </a:tcPr>
                 </a:tc>
                 <a:tc>
                   <a:txBody>
@@ -9750,7 +11289,44 @@
                       </a:r>
                     </a:p>
                   </a:txBody>
-                  <a:tcPr anchor="ctr"/>
+                  <a:tcPr anchor="ctr">
+                    <a:lnL w="12700" cap="flat" cmpd="sng" algn="ctr">
+                      <a:solidFill>
+                        <a:schemeClr val="tx1"/>
+                      </a:solidFill>
+                      <a:prstDash val="solid"/>
+                      <a:round/>
+                      <a:headEnd type="none" w="med" len="med"/>
+                      <a:tailEnd type="none" w="med" len="med"/>
+                    </a:lnL>
+                    <a:lnR w="12700" cap="flat" cmpd="sng" algn="ctr">
+                      <a:solidFill>
+                        <a:schemeClr val="tx1"/>
+                      </a:solidFill>
+                      <a:prstDash val="solid"/>
+                      <a:round/>
+                      <a:headEnd type="none" w="med" len="med"/>
+                      <a:tailEnd type="none" w="med" len="med"/>
+                    </a:lnR>
+                    <a:lnT w="12700" cap="flat" cmpd="sng" algn="ctr">
+                      <a:solidFill>
+                        <a:schemeClr val="tx1"/>
+                      </a:solidFill>
+                      <a:prstDash val="solid"/>
+                      <a:round/>
+                      <a:headEnd type="none" w="med" len="med"/>
+                      <a:tailEnd type="none" w="med" len="med"/>
+                    </a:lnT>
+                    <a:lnB w="12700" cap="flat" cmpd="sng" algn="ctr">
+                      <a:solidFill>
+                        <a:schemeClr val="tx1"/>
+                      </a:solidFill>
+                      <a:prstDash val="solid"/>
+                      <a:round/>
+                      <a:headEnd type="none" w="med" len="med"/>
+                      <a:tailEnd type="none" w="med" len="med"/>
+                    </a:lnB>
+                  </a:tcPr>
                 </a:tc>
                 <a:extLst>
                   <a:ext uri="{0D108BD9-81ED-4DB2-BD59-A6C34878D82A}">
@@ -9772,7 +11348,44 @@
                       <a:endParaRPr lang="ko-KR" altLang="en-US" dirty="0"/>
                     </a:p>
                   </a:txBody>
-                  <a:tcPr anchor="ctr"/>
+                  <a:tcPr anchor="ctr">
+                    <a:lnL w="12700" cap="flat" cmpd="sng" algn="ctr">
+                      <a:solidFill>
+                        <a:schemeClr val="tx1"/>
+                      </a:solidFill>
+                      <a:prstDash val="solid"/>
+                      <a:round/>
+                      <a:headEnd type="none" w="med" len="med"/>
+                      <a:tailEnd type="none" w="med" len="med"/>
+                    </a:lnL>
+                    <a:lnR w="12700" cap="flat" cmpd="sng" algn="ctr">
+                      <a:solidFill>
+                        <a:schemeClr val="tx1"/>
+                      </a:solidFill>
+                      <a:prstDash val="solid"/>
+                      <a:round/>
+                      <a:headEnd type="none" w="med" len="med"/>
+                      <a:tailEnd type="none" w="med" len="med"/>
+                    </a:lnR>
+                    <a:lnT w="12700" cap="flat" cmpd="sng" algn="ctr">
+                      <a:solidFill>
+                        <a:schemeClr val="tx1"/>
+                      </a:solidFill>
+                      <a:prstDash val="solid"/>
+                      <a:round/>
+                      <a:headEnd type="none" w="med" len="med"/>
+                      <a:tailEnd type="none" w="med" len="med"/>
+                    </a:lnT>
+                    <a:lnB w="12700" cap="flat" cmpd="sng" algn="ctr">
+                      <a:solidFill>
+                        <a:schemeClr val="tx1"/>
+                      </a:solidFill>
+                      <a:prstDash val="solid"/>
+                      <a:round/>
+                      <a:headEnd type="none" w="med" len="med"/>
+                      <a:tailEnd type="none" w="med" len="med"/>
+                    </a:lnB>
+                  </a:tcPr>
                 </a:tc>
                 <a:tc hMerge="1">
                   <a:txBody>
@@ -9797,7 +11410,44 @@
                       </a:r>
                     </a:p>
                   </a:txBody>
-                  <a:tcPr anchor="ctr"/>
+                  <a:tcPr anchor="ctr">
+                    <a:lnL w="12700" cap="flat" cmpd="sng" algn="ctr">
+                      <a:solidFill>
+                        <a:schemeClr val="tx1"/>
+                      </a:solidFill>
+                      <a:prstDash val="solid"/>
+                      <a:round/>
+                      <a:headEnd type="none" w="med" len="med"/>
+                      <a:tailEnd type="none" w="med" len="med"/>
+                    </a:lnL>
+                    <a:lnR w="12700" cap="flat" cmpd="sng" algn="ctr">
+                      <a:solidFill>
+                        <a:schemeClr val="tx1"/>
+                      </a:solidFill>
+                      <a:prstDash val="solid"/>
+                      <a:round/>
+                      <a:headEnd type="none" w="med" len="med"/>
+                      <a:tailEnd type="none" w="med" len="med"/>
+                    </a:lnR>
+                    <a:lnT w="12700" cap="flat" cmpd="sng" algn="ctr">
+                      <a:solidFill>
+                        <a:schemeClr val="tx1"/>
+                      </a:solidFill>
+                      <a:prstDash val="solid"/>
+                      <a:round/>
+                      <a:headEnd type="none" w="med" len="med"/>
+                      <a:tailEnd type="none" w="med" len="med"/>
+                    </a:lnT>
+                    <a:lnB w="12700" cap="flat" cmpd="sng" algn="ctr">
+                      <a:solidFill>
+                        <a:schemeClr val="tx1"/>
+                      </a:solidFill>
+                      <a:prstDash val="solid"/>
+                      <a:round/>
+                      <a:headEnd type="none" w="med" len="med"/>
+                      <a:tailEnd type="none" w="med" len="med"/>
+                    </a:lnB>
+                  </a:tcPr>
                 </a:tc>
                 <a:extLst>
                   <a:ext uri="{0D108BD9-81ED-4DB2-BD59-A6C34878D82A}">
@@ -9819,7 +11469,44 @@
                       <a:endParaRPr lang="ko-KR" altLang="en-US" dirty="0"/>
                     </a:p>
                   </a:txBody>
-                  <a:tcPr anchor="ctr"/>
+                  <a:tcPr anchor="ctr">
+                    <a:lnL w="12700" cap="flat" cmpd="sng" algn="ctr">
+                      <a:solidFill>
+                        <a:schemeClr val="tx1"/>
+                      </a:solidFill>
+                      <a:prstDash val="solid"/>
+                      <a:round/>
+                      <a:headEnd type="none" w="med" len="med"/>
+                      <a:tailEnd type="none" w="med" len="med"/>
+                    </a:lnL>
+                    <a:lnR w="12700" cap="flat" cmpd="sng" algn="ctr">
+                      <a:solidFill>
+                        <a:schemeClr val="tx1"/>
+                      </a:solidFill>
+                      <a:prstDash val="solid"/>
+                      <a:round/>
+                      <a:headEnd type="none" w="med" len="med"/>
+                      <a:tailEnd type="none" w="med" len="med"/>
+                    </a:lnR>
+                    <a:lnT w="12700" cap="flat" cmpd="sng" algn="ctr">
+                      <a:solidFill>
+                        <a:schemeClr val="tx1"/>
+                      </a:solidFill>
+                      <a:prstDash val="solid"/>
+                      <a:round/>
+                      <a:headEnd type="none" w="med" len="med"/>
+                      <a:tailEnd type="none" w="med" len="med"/>
+                    </a:lnT>
+                    <a:lnB w="12700" cap="flat" cmpd="sng" algn="ctr">
+                      <a:solidFill>
+                        <a:schemeClr val="tx1"/>
+                      </a:solidFill>
+                      <a:prstDash val="solid"/>
+                      <a:round/>
+                      <a:headEnd type="none" w="med" len="med"/>
+                      <a:tailEnd type="none" w="med" len="med"/>
+                    </a:lnB>
+                  </a:tcPr>
                 </a:tc>
                 <a:tc hMerge="1">
                   <a:txBody>
@@ -9848,7 +11535,44 @@
                       </a:r>
                     </a:p>
                   </a:txBody>
-                  <a:tcPr anchor="ctr"/>
+                  <a:tcPr anchor="ctr">
+                    <a:lnL w="12700" cap="flat" cmpd="sng" algn="ctr">
+                      <a:solidFill>
+                        <a:schemeClr val="tx1"/>
+                      </a:solidFill>
+                      <a:prstDash val="solid"/>
+                      <a:round/>
+                      <a:headEnd type="none" w="med" len="med"/>
+                      <a:tailEnd type="none" w="med" len="med"/>
+                    </a:lnL>
+                    <a:lnR w="12700" cap="flat" cmpd="sng" algn="ctr">
+                      <a:solidFill>
+                        <a:schemeClr val="tx1"/>
+                      </a:solidFill>
+                      <a:prstDash val="solid"/>
+                      <a:round/>
+                      <a:headEnd type="none" w="med" len="med"/>
+                      <a:tailEnd type="none" w="med" len="med"/>
+                    </a:lnR>
+                    <a:lnT w="12700" cap="flat" cmpd="sng" algn="ctr">
+                      <a:solidFill>
+                        <a:schemeClr val="tx1"/>
+                      </a:solidFill>
+                      <a:prstDash val="solid"/>
+                      <a:round/>
+                      <a:headEnd type="none" w="med" len="med"/>
+                      <a:tailEnd type="none" w="med" len="med"/>
+                    </a:lnT>
+                    <a:lnB w="12700" cap="flat" cmpd="sng" algn="ctr">
+                      <a:solidFill>
+                        <a:schemeClr val="tx1"/>
+                      </a:solidFill>
+                      <a:prstDash val="solid"/>
+                      <a:round/>
+                      <a:headEnd type="none" w="med" len="med"/>
+                      <a:tailEnd type="none" w="med" len="med"/>
+                    </a:lnB>
+                  </a:tcPr>
                 </a:tc>
                 <a:extLst>
                   <a:ext uri="{0D108BD9-81ED-4DB2-BD59-A6C34878D82A}">
@@ -9870,7 +11594,44 @@
                       <a:endParaRPr lang="ko-KR" altLang="en-US" dirty="0"/>
                     </a:p>
                   </a:txBody>
-                  <a:tcPr anchor="ctr"/>
+                  <a:tcPr anchor="ctr">
+                    <a:lnL w="12700" cap="flat" cmpd="sng" algn="ctr">
+                      <a:solidFill>
+                        <a:schemeClr val="tx1"/>
+                      </a:solidFill>
+                      <a:prstDash val="solid"/>
+                      <a:round/>
+                      <a:headEnd type="none" w="med" len="med"/>
+                      <a:tailEnd type="none" w="med" len="med"/>
+                    </a:lnL>
+                    <a:lnR w="12700" cap="flat" cmpd="sng" algn="ctr">
+                      <a:solidFill>
+                        <a:schemeClr val="tx1"/>
+                      </a:solidFill>
+                      <a:prstDash val="solid"/>
+                      <a:round/>
+                      <a:headEnd type="none" w="med" len="med"/>
+                      <a:tailEnd type="none" w="med" len="med"/>
+                    </a:lnR>
+                    <a:lnT w="12700" cap="flat" cmpd="sng" algn="ctr">
+                      <a:solidFill>
+                        <a:schemeClr val="tx1"/>
+                      </a:solidFill>
+                      <a:prstDash val="solid"/>
+                      <a:round/>
+                      <a:headEnd type="none" w="med" len="med"/>
+                      <a:tailEnd type="none" w="med" len="med"/>
+                    </a:lnT>
+                    <a:lnB w="12700" cap="flat" cmpd="sng" algn="ctr">
+                      <a:solidFill>
+                        <a:schemeClr val="tx1"/>
+                      </a:solidFill>
+                      <a:prstDash val="solid"/>
+                      <a:round/>
+                      <a:headEnd type="none" w="med" len="med"/>
+                      <a:tailEnd type="none" w="med" len="med"/>
+                    </a:lnB>
+                  </a:tcPr>
                 </a:tc>
                 <a:tc hMerge="1">
                   <a:txBody>
@@ -9899,7 +11660,44 @@
                       </a:r>
                     </a:p>
                   </a:txBody>
-                  <a:tcPr anchor="ctr"/>
+                  <a:tcPr anchor="ctr">
+                    <a:lnL w="12700" cap="flat" cmpd="sng" algn="ctr">
+                      <a:solidFill>
+                        <a:schemeClr val="tx1"/>
+                      </a:solidFill>
+                      <a:prstDash val="solid"/>
+                      <a:round/>
+                      <a:headEnd type="none" w="med" len="med"/>
+                      <a:tailEnd type="none" w="med" len="med"/>
+                    </a:lnL>
+                    <a:lnR w="12700" cap="flat" cmpd="sng" algn="ctr">
+                      <a:solidFill>
+                        <a:schemeClr val="tx1"/>
+                      </a:solidFill>
+                      <a:prstDash val="solid"/>
+                      <a:round/>
+                      <a:headEnd type="none" w="med" len="med"/>
+                      <a:tailEnd type="none" w="med" len="med"/>
+                    </a:lnR>
+                    <a:lnT w="12700" cap="flat" cmpd="sng" algn="ctr">
+                      <a:solidFill>
+                        <a:schemeClr val="tx1"/>
+                      </a:solidFill>
+                      <a:prstDash val="solid"/>
+                      <a:round/>
+                      <a:headEnd type="none" w="med" len="med"/>
+                      <a:tailEnd type="none" w="med" len="med"/>
+                    </a:lnT>
+                    <a:lnB w="12700" cap="flat" cmpd="sng" algn="ctr">
+                      <a:solidFill>
+                        <a:schemeClr val="tx1"/>
+                      </a:solidFill>
+                      <a:prstDash val="solid"/>
+                      <a:round/>
+                      <a:headEnd type="none" w="med" len="med"/>
+                      <a:tailEnd type="none" w="med" len="med"/>
+                    </a:lnB>
+                  </a:tcPr>
                 </a:tc>
                 <a:extLst>
                   <a:ext uri="{0D108BD9-81ED-4DB2-BD59-A6C34878D82A}">
@@ -10191,44 +11989,77 @@
             </a:pPr>
             <a:r>
               <a:rPr lang="ko-KR" altLang="en-US" sz="1400" b="0" dirty="0"/>
-              <a:t> 특정 값을 포함하는 경우 </a:t>
-            </a:r>
-            <a:r>
-              <a:rPr lang="en-US" altLang="ko-KR" sz="1400" b="0" dirty="0"/>
+              <a:t> </a:t>
+            </a:r>
+            <a:r>
+              <a:rPr lang="ko-KR" altLang="en-US" sz="1400" b="0" u="sng" dirty="0"/>
+              <a:t>특정 값을 포함하는 경우 </a:t>
+            </a:r>
+            <a:r>
+              <a:rPr lang="en-US" altLang="ko-KR" sz="1400" b="0" u="sng" dirty="0"/>
               <a:t>(%</a:t>
             </a:r>
             <a:r>
-              <a:rPr lang="ko-KR" altLang="en-US" sz="1400" b="0" dirty="0"/>
+              <a:rPr lang="ko-KR" altLang="en-US" sz="1400" b="0" u="sng" dirty="0"/>
               <a:t>김</a:t>
             </a:r>
             <a:r>
-              <a:rPr lang="en-US" altLang="ko-KR" sz="1400" b="0" dirty="0"/>
+              <a:rPr lang="en-US" altLang="ko-KR" sz="1400" b="0" u="sng" dirty="0"/>
               <a:t>% : </a:t>
             </a:r>
             <a:r>
-              <a:rPr lang="ko-KR" altLang="en-US" sz="1400" b="0" dirty="0"/>
+              <a:rPr lang="ko-KR" altLang="en-US" sz="1400" b="0" u="sng" dirty="0"/>
               <a:t>김</a:t>
             </a:r>
             <a:r>
-              <a:rPr lang="en-US" altLang="ko-KR" sz="1400" b="0" dirty="0"/>
+              <a:rPr lang="en-US" altLang="ko-KR" sz="1400" b="0" u="sng" dirty="0"/>
               <a:t>, </a:t>
             </a:r>
             <a:r>
-              <a:rPr lang="ko-KR" altLang="en-US" sz="1400" b="0" dirty="0"/>
+              <a:rPr lang="ko-KR" altLang="en-US" sz="1400" b="0" u="sng" dirty="0"/>
               <a:t>참치김치찌개</a:t>
             </a:r>
             <a:r>
-              <a:rPr lang="en-US" altLang="ko-KR" sz="1400" dirty="0"/>
+              <a:rPr lang="en-US" altLang="ko-KR" sz="1400" u="sng" dirty="0"/>
               <a:t> </a:t>
             </a:r>
             <a:r>
-              <a:rPr lang="ko-KR" altLang="en-US" sz="1400" dirty="0"/>
+              <a:rPr lang="ko-KR" altLang="en-US" sz="1400" u="sng" dirty="0"/>
               <a:t>등</a:t>
             </a:r>
             <a:r>
-              <a:rPr lang="en-US" altLang="ko-KR" sz="1400" b="0" dirty="0"/>
+              <a:rPr lang="en-US" altLang="ko-KR" sz="1400" b="0" u="sng" dirty="0" smtClean="0"/>
+              <a:t>) </a:t>
+            </a:r>
+            <a:r>
+              <a:rPr lang="en-US" altLang="ko-KR" sz="1400" b="0" u="sng" dirty="0" smtClean="0">
+                <a:solidFill>
+                  <a:srgbClr val="FF0000"/>
+                </a:solidFill>
+              </a:rPr>
+              <a:t>(</a:t>
+            </a:r>
+            <a:r>
+              <a:rPr lang="ko-KR" altLang="en-US" sz="1400" b="0" u="sng" dirty="0" smtClean="0">
+                <a:solidFill>
+                  <a:srgbClr val="FF0000"/>
+                </a:solidFill>
+              </a:rPr>
+              <a:t>흔하게 사용함</a:t>
+            </a:r>
+            <a:r>
+              <a:rPr lang="en-US" altLang="ko-KR" sz="1400" b="0" u="sng" dirty="0" smtClean="0">
+                <a:solidFill>
+                  <a:srgbClr val="FF0000"/>
+                </a:solidFill>
+              </a:rPr>
               <a:t>)</a:t>
             </a:r>
+            <a:endParaRPr lang="en-US" altLang="ko-KR" sz="1400" b="0" u="sng" dirty="0">
+              <a:solidFill>
+                <a:srgbClr val="FF0000"/>
+              </a:solidFill>
+            </a:endParaRPr>
           </a:p>
           <a:p>
             <a:pPr>
@@ -10266,19 +12097,59 @@
                   <a:srgbClr val="000000"/>
                 </a:solidFill>
               </a:rPr>
-              <a:t> % : </a:t>
-            </a:r>
-            <a:r>
-              <a:rPr lang="ko-KR" altLang="en-US" sz="1400" b="0" dirty="0">
+              <a:t> </a:t>
+            </a:r>
+            <a:r>
+              <a:rPr lang="en-US" altLang="ko-KR" sz="1400" b="0" u="sng" dirty="0">
                 <a:solidFill>
                   <a:srgbClr val="000000"/>
                 </a:solidFill>
               </a:rPr>
-              <a:t>여러 글자</a:t>
-            </a:r>
-            <a:endParaRPr lang="en-US" altLang="ko-KR" sz="1400" b="0" dirty="0">
+              <a:t>% : </a:t>
+            </a:r>
+            <a:r>
+              <a:rPr lang="ko-KR" altLang="en-US" sz="1400" b="0" u="sng" dirty="0">
+                <a:solidFill>
+                  <a:srgbClr val="000000"/>
+                </a:solidFill>
+              </a:rPr>
+              <a:t>여러 </a:t>
+            </a:r>
+            <a:r>
+              <a:rPr lang="ko-KR" altLang="en-US" sz="1400" b="0" u="sng" dirty="0" smtClean="0">
+                <a:solidFill>
+                  <a:srgbClr val="000000"/>
+                </a:solidFill>
+              </a:rPr>
+              <a:t>글자 </a:t>
+            </a:r>
+            <a:r>
+              <a:rPr lang="en-US" altLang="ko-KR" sz="1400" b="0" u="sng" dirty="0" smtClean="0">
+                <a:solidFill>
+                  <a:srgbClr val="FF0000"/>
+                </a:solidFill>
+              </a:rPr>
+              <a:t>(</a:t>
+            </a:r>
+            <a:r>
+              <a:rPr lang="ko-KR" altLang="en-US" sz="1400" b="0" u="sng" dirty="0" err="1" smtClean="0">
+                <a:solidFill>
+                  <a:srgbClr val="FF0000"/>
+                </a:solidFill>
+              </a:rPr>
+              <a:t>흔하게사용됨</a:t>
+            </a:r>
+            <a:r>
+              <a:rPr lang="en-US" altLang="ko-KR" sz="1400" b="0" u="sng" dirty="0" smtClean="0">
+                <a:solidFill>
+                  <a:srgbClr val="FF0000"/>
+                </a:solidFill>
+              </a:rPr>
+              <a:t>)</a:t>
+            </a:r>
+            <a:endParaRPr lang="en-US" altLang="ko-KR" sz="1400" b="0" u="sng" dirty="0">
               <a:solidFill>
-                <a:srgbClr val="000000"/>
+                <a:srgbClr val="FF0000"/>
               </a:solidFill>
             </a:endParaRPr>
           </a:p>
@@ -11106,6 +12977,91 @@
           </a:graphicData>
         </a:graphic>
       </p:graphicFrame>
+      <p:sp>
+        <p:nvSpPr>
+          <p:cNvPr id="2" name="TextBox 1"/>
+          <p:cNvSpPr txBox="1"/>
+          <p:nvPr/>
+        </p:nvSpPr>
+        <p:spPr>
+          <a:xfrm>
+            <a:off x="2483768" y="5659391"/>
+            <a:ext cx="2520280" cy="307777"/>
+          </a:xfrm>
+          <a:prstGeom prst="rect">
+            <a:avLst/>
+          </a:prstGeom>
+          <a:noFill/>
+        </p:spPr>
+        <p:txBody>
+          <a:bodyPr wrap="square" rtlCol="0">
+            <a:spAutoFit/>
+          </a:bodyPr>
+          <a:lstStyle/>
+          <a:p>
+            <a:r>
+              <a:rPr lang="ko-KR" altLang="en-US" sz="1400" dirty="0" smtClean="0">
+                <a:solidFill>
+                  <a:srgbClr val="FF0000"/>
+                </a:solidFill>
+              </a:rPr>
+              <a:t>등호 못씀 </a:t>
+            </a:r>
+            <a:r>
+              <a:rPr lang="en-US" altLang="ko-KR" sz="1400" dirty="0" smtClean="0">
+                <a:solidFill>
+                  <a:srgbClr val="FF0000"/>
+                </a:solidFill>
+              </a:rPr>
+              <a:t>like</a:t>
+            </a:r>
+            <a:r>
+              <a:rPr lang="ko-KR" altLang="en-US" sz="1400" dirty="0" smtClean="0">
+                <a:solidFill>
+                  <a:srgbClr val="FF0000"/>
+                </a:solidFill>
+              </a:rPr>
+              <a:t>써야함</a:t>
+            </a:r>
+            <a:endParaRPr lang="ko-KR" altLang="en-US" sz="1400" dirty="0">
+              <a:solidFill>
+                <a:srgbClr val="FF0000"/>
+              </a:solidFill>
+            </a:endParaRPr>
+          </a:p>
+        </p:txBody>
+      </p:sp>
+      <p:cxnSp>
+        <p:nvCxnSpPr>
+          <p:cNvPr id="4" name="직선 연결선 3"/>
+          <p:cNvCxnSpPr/>
+          <p:nvPr/>
+        </p:nvCxnSpPr>
+        <p:spPr>
+          <a:xfrm>
+            <a:off x="1547664" y="5648003"/>
+            <a:ext cx="2448272" cy="0"/>
+          </a:xfrm>
+          <a:prstGeom prst="line">
+            <a:avLst/>
+          </a:prstGeom>
+          <a:ln w="28575"/>
+        </p:spPr>
+        <p:style>
+          <a:lnRef idx="1">
+            <a:schemeClr val="accent2"/>
+          </a:lnRef>
+          <a:fillRef idx="0">
+            <a:schemeClr val="accent2"/>
+          </a:fillRef>
+          <a:effectRef idx="0">
+            <a:schemeClr val="accent2"/>
+          </a:effectRef>
+          <a:fontRef idx="minor">
+            <a:schemeClr val="tx1"/>
+          </a:fontRef>
+        </p:style>
+      </p:cxnSp>
     </p:spTree>
     <p:extLst>
       <p:ext uri="{BB962C8B-B14F-4D97-AF65-F5344CB8AC3E}">

--- a/NEW_DBMS교안/13. 기본 SQL 작성하기_DQL 활용_1.pptx
+++ b/NEW_DBMS교안/13. 기본 SQL 작성하기_DQL 활용_1.pptx
@@ -227,7 +227,7 @@
           <a:p>
             <a:fld id="{E150CED1-0BD3-437E-982C-E8005E10CB37}" type="datetimeFigureOut">
               <a:rPr lang="ko-KR" altLang="en-US" smtClean="0"/>
-              <a:t>2021-04-05</a:t>
+              <a:t>2021-04-06</a:t>
             </a:fld>
             <a:endParaRPr lang="ko-KR" altLang="en-US"/>
           </a:p>
